--- a/LavaEscapeSlides.pptx
+++ b/LavaEscapeSlides.pptx
@@ -6,12 +6,14 @@
   </p:sldMasterIdLst>
   <p:sldIdLst>
     <p:sldId id="256" r:id="rId2"/>
-    <p:sldId id="257" r:id="rId3"/>
-    <p:sldId id="261" r:id="rId4"/>
-    <p:sldId id="258" r:id="rId5"/>
-    <p:sldId id="259" r:id="rId6"/>
-    <p:sldId id="260" r:id="rId7"/>
-    <p:sldId id="262" r:id="rId8"/>
+    <p:sldId id="264" r:id="rId3"/>
+    <p:sldId id="257" r:id="rId4"/>
+    <p:sldId id="261" r:id="rId5"/>
+    <p:sldId id="263" r:id="rId6"/>
+    <p:sldId id="258" r:id="rId7"/>
+    <p:sldId id="259" r:id="rId8"/>
+    <p:sldId id="260" r:id="rId9"/>
+    <p:sldId id="262" r:id="rId10"/>
   </p:sldIdLst>
   <p:sldSz cx="12192000" cy="6858000"/>
   <p:notesSz cx="6858000" cy="9144000"/>
@@ -110,6 +112,11 @@
       </a:defRPr>
     </a:lvl9pPr>
   </p:defaultTextStyle>
+  <p:extLst>
+    <p:ext uri="{EFAFB233-063F-42B5-8137-9DF3F51BA10A}">
+      <p15:sldGuideLst xmlns:p15="http://schemas.microsoft.com/office/powerpoint/2012/main"/>
+    </p:ext>
+  </p:extLst>
 </p:presentation>
 </file>
 
@@ -2460,7 +2467,7 @@
           <a:p>
             <a:fld id="{3C04E684-10F4-4CC3-A0B9-F03AA7BE37CF}" type="datetimeFigureOut">
               <a:rPr lang="en-US" smtClean="0"/>
-              <a:t>12/17/2023</a:t>
+              <a:t>12/18/2023</a:t>
             </a:fld>
             <a:endParaRPr lang="en-US"/>
           </a:p>
@@ -4950,7 +4957,7 @@
           <a:p>
             <a:fld id="{3C04E684-10F4-4CC3-A0B9-F03AA7BE37CF}" type="datetimeFigureOut">
               <a:rPr lang="en-US" smtClean="0"/>
-              <a:t>12/17/2023</a:t>
+              <a:t>12/18/2023</a:t>
             </a:fld>
             <a:endParaRPr lang="en-US"/>
           </a:p>
@@ -5148,7 +5155,7 @@
           <a:p>
             <a:fld id="{3C04E684-10F4-4CC3-A0B9-F03AA7BE37CF}" type="datetimeFigureOut">
               <a:rPr lang="en-US" smtClean="0"/>
-              <a:t>12/17/2023</a:t>
+              <a:t>12/18/2023</a:t>
             </a:fld>
             <a:endParaRPr lang="en-US"/>
           </a:p>
@@ -5356,7 +5363,7 @@
           <a:p>
             <a:fld id="{3C04E684-10F4-4CC3-A0B9-F03AA7BE37CF}" type="datetimeFigureOut">
               <a:rPr lang="en-US" smtClean="0"/>
-              <a:t>12/17/2023</a:t>
+              <a:t>12/18/2023</a:t>
             </a:fld>
             <a:endParaRPr lang="en-US"/>
           </a:p>
@@ -6093,7 +6100,7 @@
           <a:p>
             <a:fld id="{3C04E684-10F4-4CC3-A0B9-F03AA7BE37CF}" type="datetimeFigureOut">
               <a:rPr lang="en-US" smtClean="0"/>
-              <a:t>12/17/2023</a:t>
+              <a:t>12/18/2023</a:t>
             </a:fld>
             <a:endParaRPr lang="en-US"/>
           </a:p>
@@ -6735,7 +6742,7 @@
           <a:p>
             <a:fld id="{3C04E684-10F4-4CC3-A0B9-F03AA7BE37CF}" type="datetimeFigureOut">
               <a:rPr lang="en-US" smtClean="0"/>
-              <a:t>12/17/2023</a:t>
+              <a:t>12/18/2023</a:t>
             </a:fld>
             <a:endParaRPr lang="en-US"/>
           </a:p>
@@ -7535,7 +7542,7 @@
           <a:p>
             <a:fld id="{3C04E684-10F4-4CC3-A0B9-F03AA7BE37CF}" type="datetimeFigureOut">
               <a:rPr lang="en-US" smtClean="0"/>
-              <a:t>12/17/2023</a:t>
+              <a:t>12/18/2023</a:t>
             </a:fld>
             <a:endParaRPr lang="en-US"/>
           </a:p>
@@ -8486,7 +8493,7 @@
           <a:p>
             <a:fld id="{3C04E684-10F4-4CC3-A0B9-F03AA7BE37CF}" type="datetimeFigureOut">
               <a:rPr lang="en-US" smtClean="0"/>
-              <a:t>12/17/2023</a:t>
+              <a:t>12/18/2023</a:t>
             </a:fld>
             <a:endParaRPr lang="en-US"/>
           </a:p>
@@ -10835,7 +10842,7 @@
           <a:p>
             <a:fld id="{3C04E684-10F4-4CC3-A0B9-F03AA7BE37CF}" type="datetimeFigureOut">
               <a:rPr lang="en-US" smtClean="0"/>
-              <a:t>12/17/2023</a:t>
+              <a:t>12/18/2023</a:t>
             </a:fld>
             <a:endParaRPr lang="en-US"/>
           </a:p>
@@ -10948,7 +10955,7 @@
           <a:p>
             <a:fld id="{3C04E684-10F4-4CC3-A0B9-F03AA7BE37CF}" type="datetimeFigureOut">
               <a:rPr lang="en-US" smtClean="0"/>
-              <a:t>12/17/2023</a:t>
+              <a:t>12/18/2023</a:t>
             </a:fld>
             <a:endParaRPr lang="en-US"/>
           </a:p>
@@ -11455,7 +11462,7 @@
           <a:p>
             <a:fld id="{3C04E684-10F4-4CC3-A0B9-F03AA7BE37CF}" type="datetimeFigureOut">
               <a:rPr lang="en-US" smtClean="0"/>
-              <a:t>12/17/2023</a:t>
+              <a:t>12/18/2023</a:t>
             </a:fld>
             <a:endParaRPr lang="en-US"/>
           </a:p>
@@ -12758,7 +12765,7 @@
           <a:p>
             <a:fld id="{3C04E684-10F4-4CC3-A0B9-F03AA7BE37CF}" type="datetimeFigureOut">
               <a:rPr lang="en-US" smtClean="0"/>
-              <a:t>12/17/2023</a:t>
+              <a:t>12/18/2023</a:t>
             </a:fld>
             <a:endParaRPr lang="en-US"/>
           </a:p>
@@ -13005,7 +13012,7 @@
           <a:p>
             <a:fld id="{3C04E684-10F4-4CC3-A0B9-F03AA7BE37CF}" type="datetimeFigureOut">
               <a:rPr lang="en-US" smtClean="0"/>
-              <a:t>12/17/2023</a:t>
+              <a:t>12/18/2023</a:t>
             </a:fld>
             <a:endParaRPr lang="en-US"/>
           </a:p>
@@ -14039,6 +14046,152 @@
           <p:cNvPr id="2" name="Title 1">
             <a:extLst>
               <a:ext uri="{FF2B5EF4-FFF2-40B4-BE49-F238E27FC236}">
+                <a16:creationId xmlns:a16="http://schemas.microsoft.com/office/drawing/2014/main" id="{76D53542-6555-2934-03BB-F7AB5E27C3A8}"/>
+              </a:ext>
+            </a:extLst>
+          </p:cNvPr>
+          <p:cNvSpPr>
+            <a:spLocks noGrp="1"/>
+          </p:cNvSpPr>
+          <p:nvPr>
+            <p:ph type="title"/>
+          </p:nvPr>
+        </p:nvSpPr>
+        <p:spPr/>
+        <p:txBody>
+          <a:bodyPr>
+            <a:normAutofit/>
+          </a:bodyPr>
+          <a:lstStyle/>
+          <a:p>
+            <a:pPr algn="ctr"/>
+            <a:r>
+              <a:rPr lang="en-GB" sz="2000" b="1" i="0" dirty="0">
+                <a:latin typeface="ADLaM Display" panose="02010000000000000000" pitchFamily="2" charset="0"/>
+                <a:ea typeface="ADLaM Display" panose="02010000000000000000" pitchFamily="2" charset="0"/>
+                <a:cs typeface="ADLaM Display" panose="02010000000000000000" pitchFamily="2" charset="0"/>
+              </a:rPr>
+              <a:t>LIST OF FEATURES</a:t>
+            </a:r>
+          </a:p>
+        </p:txBody>
+      </p:sp>
+      <p:sp>
+        <p:nvSpPr>
+          <p:cNvPr id="3" name="Content Placeholder 2">
+            <a:extLst>
+              <a:ext uri="{FF2B5EF4-FFF2-40B4-BE49-F238E27FC236}">
+                <a16:creationId xmlns:a16="http://schemas.microsoft.com/office/drawing/2014/main" id="{C2B6EDFD-67F5-F42A-79CE-96ACCC64BBDD}"/>
+              </a:ext>
+            </a:extLst>
+          </p:cNvPr>
+          <p:cNvSpPr>
+            <a:spLocks noGrp="1"/>
+          </p:cNvSpPr>
+          <p:nvPr>
+            <p:ph idx="1"/>
+          </p:nvPr>
+        </p:nvSpPr>
+        <p:spPr/>
+        <p:txBody>
+          <a:bodyPr/>
+          <a:lstStyle/>
+          <a:p>
+            <a:r>
+              <a:rPr lang="en-GB" sz="1800" dirty="0"/>
+              <a:t>Movement </a:t>
+            </a:r>
+          </a:p>
+          <a:p>
+            <a:r>
+              <a:rPr lang="en-GB" sz="1800" dirty="0"/>
+              <a:t>Moving Platforms</a:t>
+            </a:r>
+          </a:p>
+          <a:p>
+            <a:r>
+              <a:rPr lang="en-GB" sz="1800" dirty="0"/>
+              <a:t>Disappearing Platforms</a:t>
+            </a:r>
+          </a:p>
+          <a:p>
+            <a:r>
+              <a:rPr lang="en-GB" sz="1800" dirty="0"/>
+              <a:t>Collect Health</a:t>
+            </a:r>
+          </a:p>
+          <a:p>
+            <a:r>
+              <a:rPr lang="en-GB" sz="1800" dirty="0"/>
+              <a:t>Collect Timer</a:t>
+            </a:r>
+          </a:p>
+          <a:p>
+            <a:r>
+              <a:rPr lang="en-GB" sz="1800" dirty="0"/>
+              <a:t>Timer Countdown</a:t>
+            </a:r>
+          </a:p>
+          <a:p>
+            <a:r>
+              <a:rPr lang="en-GB" sz="1800" dirty="0"/>
+              <a:t>Obstacles </a:t>
+            </a:r>
+          </a:p>
+          <a:p>
+            <a:r>
+              <a:rPr lang="en-GB" sz="1800" dirty="0"/>
+              <a:t>Cheat Menu (Z key to damage X Key </a:t>
+            </a:r>
+            <a:r>
+              <a:rPr lang="en-GB" sz="1800"/>
+              <a:t>to heal)</a:t>
+            </a:r>
+            <a:endParaRPr lang="en-GB" sz="1800" dirty="0"/>
+          </a:p>
+          <a:p>
+            <a:endParaRPr lang="en-GB" dirty="0"/>
+          </a:p>
+          <a:p>
+            <a:endParaRPr lang="en-GB" dirty="0"/>
+          </a:p>
+        </p:txBody>
+      </p:sp>
+    </p:spTree>
+    <p:extLst>
+      <p:ext uri="{BB962C8B-B14F-4D97-AF65-F5344CB8AC3E}">
+        <p14:creationId xmlns:p14="http://schemas.microsoft.com/office/powerpoint/2010/main" val="270406501"/>
+      </p:ext>
+    </p:extLst>
+  </p:cSld>
+  <p:clrMapOvr>
+    <a:masterClrMapping/>
+  </p:clrMapOvr>
+</p:sld>
+</file>
+
+<file path=ppt/slides/slide3.xml><?xml version="1.0" encoding="utf-8"?>
+<p:sld xmlns:a="http://schemas.openxmlformats.org/drawingml/2006/main" xmlns:r="http://schemas.openxmlformats.org/officeDocument/2006/relationships" xmlns:p="http://schemas.openxmlformats.org/presentationml/2006/main">
+  <p:cSld>
+    <p:spTree>
+      <p:nvGrpSpPr>
+        <p:cNvPr id="1" name=""/>
+        <p:cNvGrpSpPr/>
+        <p:nvPr/>
+      </p:nvGrpSpPr>
+      <p:grpSpPr>
+        <a:xfrm>
+          <a:off x="0" y="0"/>
+          <a:ext cx="0" cy="0"/>
+          <a:chOff x="0" y="0"/>
+          <a:chExt cx="0" cy="0"/>
+        </a:xfrm>
+      </p:grpSpPr>
+      <p:sp>
+        <p:nvSpPr>
+          <p:cNvPr id="2" name="Title 1">
+            <a:extLst>
+              <a:ext uri="{FF2B5EF4-FFF2-40B4-BE49-F238E27FC236}">
                 <a16:creationId xmlns:a16="http://schemas.microsoft.com/office/drawing/2014/main" id="{F634968B-610F-2BD5-A58C-BB60AB20F43E}"/>
               </a:ext>
             </a:extLst>
@@ -14056,7 +14209,11 @@
           <a:lstStyle/>
           <a:p>
             <a:r>
-              <a:rPr lang="en-GB" dirty="0"/>
+              <a:rPr lang="en-GB" i="0" dirty="0">
+                <a:latin typeface="ADLaM Display" panose="020F0502020204030204" pitchFamily="2" charset="0"/>
+                <a:ea typeface="ADLaM Display" panose="020F0502020204030204" pitchFamily="2" charset="0"/>
+                <a:cs typeface="ADLaM Display" panose="020F0502020204030204" pitchFamily="2" charset="0"/>
+              </a:rPr>
               <a:t>Movement</a:t>
             </a:r>
           </a:p>
@@ -14083,7 +14240,255 @@
           <a:bodyPr/>
           <a:lstStyle/>
           <a:p>
-            <a:endParaRPr lang="en-GB"/>
+            <a:r>
+              <a:rPr lang="en-GB" dirty="0"/>
+              <a:t>Jumping</a:t>
+            </a:r>
+          </a:p>
+          <a:p>
+            <a:r>
+              <a:rPr lang="en-GB" dirty="0"/>
+              <a:t>Move forwards</a:t>
+            </a:r>
+          </a:p>
+          <a:p>
+            <a:r>
+              <a:rPr lang="en-GB" dirty="0"/>
+              <a:t>Move left</a:t>
+            </a:r>
+          </a:p>
+          <a:p>
+            <a:r>
+              <a:rPr lang="en-GB" dirty="0"/>
+              <a:t>Move right</a:t>
+            </a:r>
+          </a:p>
+          <a:p>
+            <a:r>
+              <a:rPr lang="en-GB" dirty="0"/>
+              <a:t>Move backwards</a:t>
+            </a:r>
+          </a:p>
+          <a:p>
+            <a:r>
+              <a:rPr lang="en-GB" dirty="0"/>
+              <a:t>Crouch</a:t>
+            </a:r>
+          </a:p>
+          <a:p>
+            <a:pPr marL="0" indent="0">
+              <a:buNone/>
+            </a:pPr>
+            <a:endParaRPr lang="en-GB" dirty="0"/>
+          </a:p>
+        </p:txBody>
+      </p:sp>
+      <p:sp>
+        <p:nvSpPr>
+          <p:cNvPr id="4" name="Content Placeholder 2">
+            <a:extLst>
+              <a:ext uri="{FF2B5EF4-FFF2-40B4-BE49-F238E27FC236}">
+                <a16:creationId xmlns:a16="http://schemas.microsoft.com/office/drawing/2014/main" id="{71BD4997-4982-98A7-0010-32BFE72A684B}"/>
+              </a:ext>
+            </a:extLst>
+          </p:cNvPr>
+          <p:cNvSpPr txBox="1">
+            <a:spLocks/>
+          </p:cNvSpPr>
+          <p:nvPr/>
+        </p:nvSpPr>
+        <p:spPr>
+          <a:xfrm>
+            <a:off x="838200" y="1462744"/>
+            <a:ext cx="10515600" cy="4160520"/>
+          </a:xfrm>
+          <a:prstGeom prst="rect">
+            <a:avLst/>
+          </a:prstGeom>
+        </p:spPr>
+        <p:txBody>
+          <a:bodyPr vert="horz" lIns="91440" tIns="45720" rIns="91440" bIns="45720" rtlCol="0">
+            <a:normAutofit/>
+          </a:bodyPr>
+          <a:lstStyle>
+            <a:lvl1pPr marL="228600" indent="-228600" algn="l" defTabSz="914400" rtl="0" eaLnBrk="1" latinLnBrk="0" hangingPunct="1">
+              <a:lnSpc>
+                <a:spcPct val="100000"/>
+              </a:lnSpc>
+              <a:spcBef>
+                <a:spcPts val="1000"/>
+              </a:spcBef>
+              <a:buFont typeface="Arial" panose="020B0604020202020204" pitchFamily="34" charset="0"/>
+              <a:buChar char="•"/>
+              <a:defRPr sz="2800" kern="1200">
+                <a:solidFill>
+                  <a:schemeClr val="tx1"/>
+                </a:solidFill>
+                <a:latin typeface="+mn-lt"/>
+                <a:ea typeface="+mn-ea"/>
+                <a:cs typeface="+mn-cs"/>
+              </a:defRPr>
+            </a:lvl1pPr>
+            <a:lvl2pPr marL="685800" indent="-228600" algn="l" defTabSz="914400" rtl="0" eaLnBrk="1" latinLnBrk="0" hangingPunct="1">
+              <a:lnSpc>
+                <a:spcPct val="100000"/>
+              </a:lnSpc>
+              <a:spcBef>
+                <a:spcPts val="500"/>
+              </a:spcBef>
+              <a:buFont typeface="Arial" panose="020B0604020202020204" pitchFamily="34" charset="0"/>
+              <a:buChar char="•"/>
+              <a:defRPr sz="2400" kern="1200">
+                <a:solidFill>
+                  <a:schemeClr val="tx1"/>
+                </a:solidFill>
+                <a:latin typeface="+mn-lt"/>
+                <a:ea typeface="+mn-ea"/>
+                <a:cs typeface="+mn-cs"/>
+              </a:defRPr>
+            </a:lvl2pPr>
+            <a:lvl3pPr marL="1143000" indent="-228600" algn="l" defTabSz="914400" rtl="0" eaLnBrk="1" latinLnBrk="0" hangingPunct="1">
+              <a:lnSpc>
+                <a:spcPct val="100000"/>
+              </a:lnSpc>
+              <a:spcBef>
+                <a:spcPts val="500"/>
+              </a:spcBef>
+              <a:buFont typeface="Arial" panose="020B0604020202020204" pitchFamily="34" charset="0"/>
+              <a:buChar char="•"/>
+              <a:defRPr sz="2000" kern="1200">
+                <a:solidFill>
+                  <a:schemeClr val="tx1"/>
+                </a:solidFill>
+                <a:latin typeface="+mn-lt"/>
+                <a:ea typeface="+mn-ea"/>
+                <a:cs typeface="+mn-cs"/>
+              </a:defRPr>
+            </a:lvl3pPr>
+            <a:lvl4pPr marL="1600200" indent="-228600" algn="l" defTabSz="914400" rtl="0" eaLnBrk="1" latinLnBrk="0" hangingPunct="1">
+              <a:lnSpc>
+                <a:spcPct val="100000"/>
+              </a:lnSpc>
+              <a:spcBef>
+                <a:spcPts val="500"/>
+              </a:spcBef>
+              <a:buFont typeface="Arial" panose="020B0604020202020204" pitchFamily="34" charset="0"/>
+              <a:buChar char="•"/>
+              <a:defRPr sz="1800" kern="1200">
+                <a:solidFill>
+                  <a:schemeClr val="tx1"/>
+                </a:solidFill>
+                <a:latin typeface="+mn-lt"/>
+                <a:ea typeface="+mn-ea"/>
+                <a:cs typeface="+mn-cs"/>
+              </a:defRPr>
+            </a:lvl4pPr>
+            <a:lvl5pPr marL="2057400" indent="-228600" algn="l" defTabSz="914400" rtl="0" eaLnBrk="1" latinLnBrk="0" hangingPunct="1">
+              <a:lnSpc>
+                <a:spcPct val="100000"/>
+              </a:lnSpc>
+              <a:spcBef>
+                <a:spcPts val="500"/>
+              </a:spcBef>
+              <a:buFont typeface="Arial" panose="020B0604020202020204" pitchFamily="34" charset="0"/>
+              <a:buChar char="•"/>
+              <a:defRPr sz="1800" kern="1200">
+                <a:solidFill>
+                  <a:schemeClr val="tx1"/>
+                </a:solidFill>
+                <a:latin typeface="+mn-lt"/>
+                <a:ea typeface="+mn-ea"/>
+                <a:cs typeface="+mn-cs"/>
+              </a:defRPr>
+            </a:lvl5pPr>
+            <a:lvl6pPr marL="2514600" indent="-228600" algn="l" defTabSz="914400" rtl="0" eaLnBrk="1" latinLnBrk="0" hangingPunct="1">
+              <a:lnSpc>
+                <a:spcPct val="90000"/>
+              </a:lnSpc>
+              <a:spcBef>
+                <a:spcPts val="500"/>
+              </a:spcBef>
+              <a:buFont typeface="Arial" panose="020B0604020202020204" pitchFamily="34" charset="0"/>
+              <a:buChar char="•"/>
+              <a:defRPr sz="1800" kern="1200">
+                <a:solidFill>
+                  <a:schemeClr val="tx1"/>
+                </a:solidFill>
+                <a:latin typeface="+mn-lt"/>
+                <a:ea typeface="+mn-ea"/>
+                <a:cs typeface="+mn-cs"/>
+              </a:defRPr>
+            </a:lvl6pPr>
+            <a:lvl7pPr marL="2971800" indent="-228600" algn="l" defTabSz="914400" rtl="0" eaLnBrk="1" latinLnBrk="0" hangingPunct="1">
+              <a:lnSpc>
+                <a:spcPct val="90000"/>
+              </a:lnSpc>
+              <a:spcBef>
+                <a:spcPts val="500"/>
+              </a:spcBef>
+              <a:buFont typeface="Arial" panose="020B0604020202020204" pitchFamily="34" charset="0"/>
+              <a:buChar char="•"/>
+              <a:defRPr sz="1800" kern="1200">
+                <a:solidFill>
+                  <a:schemeClr val="tx1"/>
+                </a:solidFill>
+                <a:latin typeface="+mn-lt"/>
+                <a:ea typeface="+mn-ea"/>
+                <a:cs typeface="+mn-cs"/>
+              </a:defRPr>
+            </a:lvl7pPr>
+            <a:lvl8pPr marL="3429000" indent="-228600" algn="l" defTabSz="914400" rtl="0" eaLnBrk="1" latinLnBrk="0" hangingPunct="1">
+              <a:lnSpc>
+                <a:spcPct val="90000"/>
+              </a:lnSpc>
+              <a:spcBef>
+                <a:spcPts val="500"/>
+              </a:spcBef>
+              <a:buFont typeface="Arial" panose="020B0604020202020204" pitchFamily="34" charset="0"/>
+              <a:buChar char="•"/>
+              <a:defRPr sz="1800" kern="1200">
+                <a:solidFill>
+                  <a:schemeClr val="tx1"/>
+                </a:solidFill>
+                <a:latin typeface="+mn-lt"/>
+                <a:ea typeface="+mn-ea"/>
+                <a:cs typeface="+mn-cs"/>
+              </a:defRPr>
+            </a:lvl8pPr>
+            <a:lvl9pPr marL="3886200" indent="-228600" algn="l" defTabSz="914400" rtl="0" eaLnBrk="1" latinLnBrk="0" hangingPunct="1">
+              <a:lnSpc>
+                <a:spcPct val="90000"/>
+              </a:lnSpc>
+              <a:spcBef>
+                <a:spcPts val="500"/>
+              </a:spcBef>
+              <a:buFont typeface="Arial" panose="020B0604020202020204" pitchFamily="34" charset="0"/>
+              <a:buChar char="•"/>
+              <a:defRPr sz="1800" kern="1200">
+                <a:solidFill>
+                  <a:schemeClr val="tx1"/>
+                </a:solidFill>
+                <a:latin typeface="+mn-lt"/>
+                <a:ea typeface="+mn-ea"/>
+                <a:cs typeface="+mn-cs"/>
+              </a:defRPr>
+            </a:lvl9pPr>
+          </a:lstStyle>
+          <a:p>
+            <a:pPr marL="0" indent="0">
+              <a:buNone/>
+            </a:pPr>
+            <a:r>
+              <a:rPr lang="en-GB" dirty="0"/>
+              <a:t>Use of enhanced input:</a:t>
+            </a:r>
+          </a:p>
+          <a:p>
+            <a:pPr marL="0" indent="0">
+              <a:buFont typeface="Arial" panose="020B0604020202020204" pitchFamily="34" charset="0"/>
+              <a:buNone/>
+            </a:pPr>
+            <a:endParaRPr lang="en-GB" dirty="0"/>
           </a:p>
         </p:txBody>
       </p:sp>
@@ -14100,7 +14505,7 @@
 </p:sld>
 </file>
 
-<file path=ppt/slides/slide3.xml><?xml version="1.0" encoding="utf-8"?>
+<file path=ppt/slides/slide4.xml><?xml version="1.0" encoding="utf-8"?>
 <p:sld xmlns:a="http://schemas.openxmlformats.org/drawingml/2006/main" xmlns:r="http://schemas.openxmlformats.org/officeDocument/2006/relationships" xmlns:p="http://schemas.openxmlformats.org/presentationml/2006/main">
   <p:cSld>
     <p:spTree>
@@ -14139,7 +14544,11 @@
           <a:lstStyle/>
           <a:p>
             <a:r>
-              <a:rPr lang="en-GB" dirty="0"/>
+              <a:rPr lang="en-GB" i="0" dirty="0">
+                <a:latin typeface="ADLaM Display" panose="02010000000000000000" pitchFamily="2" charset="0"/>
+                <a:ea typeface="ADLaM Display" panose="02010000000000000000" pitchFamily="2" charset="0"/>
+                <a:cs typeface="ADLaM Display" panose="02010000000000000000" pitchFamily="2" charset="0"/>
+              </a:rPr>
               <a:t>Platforms</a:t>
             </a:r>
           </a:p>
@@ -14161,15 +14570,451 @@
             <p:ph idx="1"/>
           </p:nvPr>
         </p:nvSpPr>
-        <p:spPr/>
+        <p:spPr>
+          <a:xfrm>
+            <a:off x="664715" y="1348739"/>
+            <a:ext cx="10862569" cy="5238491"/>
+          </a:xfrm>
+        </p:spPr>
         <p:txBody>
-          <a:bodyPr/>
+          <a:bodyPr>
+            <a:normAutofit/>
+          </a:bodyPr>
           <a:lstStyle/>
           <a:p>
-            <a:endParaRPr lang="en-GB"/>
+            <a:r>
+              <a:rPr lang="en-GB" dirty="0"/>
+              <a:t>Static platforms </a:t>
+            </a:r>
+            <a:r>
+              <a:rPr lang="en-GB" sz="1600" b="1" dirty="0"/>
+              <a:t>(</a:t>
+            </a:r>
+            <a:r>
+              <a:rPr lang="en-GB" sz="1600" b="1" dirty="0">
+                <a:solidFill>
+                  <a:srgbClr val="00B0F0"/>
+                </a:solidFill>
+              </a:rPr>
+              <a:t>Blue</a:t>
+            </a:r>
+            <a:r>
+              <a:rPr lang="en-GB" sz="1600" b="1" dirty="0"/>
+              <a:t> neon colour flashing)</a:t>
+            </a:r>
+          </a:p>
+          <a:p>
+            <a:pPr marL="0" indent="0">
+              <a:buNone/>
+            </a:pPr>
+            <a:r>
+              <a:rPr lang="en-GB" sz="1200" dirty="0"/>
+              <a:t>Doesn’t do anything. Just a static platform.</a:t>
+            </a:r>
+          </a:p>
+          <a:p>
+            <a:r>
+              <a:rPr lang="en-GB" dirty="0"/>
+              <a:t>Moving Platforms </a:t>
+            </a:r>
+            <a:r>
+              <a:rPr lang="en-GB" sz="1600" b="1" dirty="0"/>
+              <a:t>(</a:t>
+            </a:r>
+            <a:r>
+              <a:rPr lang="en-GB" sz="1600" b="1" dirty="0">
+                <a:solidFill>
+                  <a:srgbClr val="00B050"/>
+                </a:solidFill>
+              </a:rPr>
+              <a:t>Green</a:t>
+            </a:r>
+            <a:r>
+              <a:rPr lang="en-GB" sz="1600" b="1" dirty="0"/>
+              <a:t> neon colour flashing)</a:t>
+            </a:r>
+          </a:p>
+          <a:p>
+            <a:pPr marL="0" indent="0">
+              <a:buNone/>
+            </a:pPr>
+            <a:r>
+              <a:rPr lang="en-GB" sz="1200" dirty="0"/>
+              <a:t>Moves the platforms  horizontally and vertically by getting current location of the actor.</a:t>
+            </a:r>
+          </a:p>
+          <a:p>
+            <a:pPr marL="0" indent="0">
+              <a:buNone/>
+            </a:pPr>
+            <a:r>
+              <a:rPr lang="en-GB" sz="1200" b="1" dirty="0"/>
+              <a:t> If </a:t>
+            </a:r>
+            <a:r>
+              <a:rPr lang="en-GB" sz="1200" b="1" dirty="0" err="1"/>
+              <a:t>isMoving</a:t>
+            </a:r>
+            <a:r>
+              <a:rPr lang="en-GB" sz="1200" b="1" dirty="0"/>
+              <a:t> = true, the platforms will either move in X or Z location to a set distance which can be adjusted in blueprint detail properties. </a:t>
+            </a:r>
+            <a:endParaRPr lang="en-GB" sz="1200" dirty="0"/>
+          </a:p>
+          <a:p>
+            <a:r>
+              <a:rPr lang="en-GB" dirty="0"/>
+              <a:t>Disappearing platform </a:t>
+            </a:r>
+            <a:r>
+              <a:rPr lang="en-GB" sz="1600" b="1" dirty="0"/>
+              <a:t>(</a:t>
+            </a:r>
+            <a:r>
+              <a:rPr lang="en-GB" sz="1600" b="1" dirty="0">
+                <a:solidFill>
+                  <a:schemeClr val="accent6"/>
+                </a:solidFill>
+              </a:rPr>
+              <a:t>Purple</a:t>
+            </a:r>
+            <a:r>
+              <a:rPr lang="en-GB" sz="1600" b="1" dirty="0"/>
+              <a:t> neon colour flashing)</a:t>
+            </a:r>
+            <a:endParaRPr lang="en-GB" sz="1600" dirty="0"/>
+          </a:p>
+          <a:p>
+            <a:pPr marL="0" indent="0">
+              <a:buNone/>
+            </a:pPr>
+            <a:r>
+              <a:rPr lang="en-GB" sz="1200" dirty="0"/>
+              <a:t>If the overlapping actor is the player (Main character) it will disable collection and hide the platform visible to player.</a:t>
+            </a:r>
+          </a:p>
+          <a:p>
+            <a:pPr marL="0" indent="0">
+              <a:buNone/>
+            </a:pPr>
+            <a:r>
+              <a:rPr lang="en-GB" sz="1100" dirty="0" err="1">
+                <a:solidFill>
+                  <a:srgbClr val="000000"/>
+                </a:solidFill>
+                <a:latin typeface="Cascadia Mono" panose="020B0609020000020004" pitchFamily="49" charset="0"/>
+              </a:rPr>
+              <a:t>BoxCollisionComponent</a:t>
+            </a:r>
+            <a:r>
+              <a:rPr lang="en-GB" sz="1100" dirty="0">
+                <a:solidFill>
+                  <a:srgbClr val="000000"/>
+                </a:solidFill>
+                <a:latin typeface="Cascadia Mono" panose="020B0609020000020004" pitchFamily="49" charset="0"/>
+              </a:rPr>
+              <a:t>-&gt;</a:t>
+            </a:r>
+            <a:r>
+              <a:rPr lang="en-GB" sz="1100" dirty="0" err="1">
+                <a:solidFill>
+                  <a:srgbClr val="000000"/>
+                </a:solidFill>
+                <a:latin typeface="Cascadia Mono" panose="020B0609020000020004" pitchFamily="49" charset="0"/>
+              </a:rPr>
+              <a:t>SetCollisionEnabled</a:t>
+            </a:r>
+            <a:r>
+              <a:rPr lang="en-GB" sz="1100" dirty="0">
+                <a:solidFill>
+                  <a:srgbClr val="000000"/>
+                </a:solidFill>
+                <a:latin typeface="Cascadia Mono" panose="020B0609020000020004" pitchFamily="49" charset="0"/>
+              </a:rPr>
+              <a:t>(</a:t>
+            </a:r>
+            <a:r>
+              <a:rPr lang="en-GB" sz="1100" dirty="0" err="1">
+                <a:solidFill>
+                  <a:srgbClr val="000000"/>
+                </a:solidFill>
+                <a:latin typeface="Cascadia Mono" panose="020B0609020000020004" pitchFamily="49" charset="0"/>
+              </a:rPr>
+              <a:t>ECollisionEnabled</a:t>
+            </a:r>
+            <a:r>
+              <a:rPr lang="en-GB" sz="1100" dirty="0">
+                <a:solidFill>
+                  <a:srgbClr val="000000"/>
+                </a:solidFill>
+                <a:latin typeface="Cascadia Mono" panose="020B0609020000020004" pitchFamily="49" charset="0"/>
+              </a:rPr>
+              <a:t>::</a:t>
+            </a:r>
+            <a:r>
+              <a:rPr lang="en-GB" sz="1100" dirty="0" err="1">
+                <a:solidFill>
+                  <a:srgbClr val="000000"/>
+                </a:solidFill>
+                <a:latin typeface="Cascadia Mono" panose="020B0609020000020004" pitchFamily="49" charset="0"/>
+              </a:rPr>
+              <a:t>NoCollision</a:t>
+            </a:r>
+            <a:r>
+              <a:rPr lang="en-GB" sz="1100" dirty="0">
+                <a:solidFill>
+                  <a:srgbClr val="000000"/>
+                </a:solidFill>
+                <a:latin typeface="Cascadia Mono" panose="020B0609020000020004" pitchFamily="49" charset="0"/>
+              </a:rPr>
+              <a:t>); </a:t>
+            </a:r>
+            <a:r>
+              <a:rPr lang="en-GB" sz="1100" dirty="0">
+                <a:solidFill>
+                  <a:srgbClr val="008000"/>
+                </a:solidFill>
+                <a:latin typeface="Cascadia Mono" panose="020B0609020000020004" pitchFamily="49" charset="0"/>
+              </a:rPr>
+              <a:t>// disable collision</a:t>
+            </a:r>
+          </a:p>
+          <a:p>
+            <a:pPr marL="0" indent="0">
+              <a:buNone/>
+            </a:pPr>
+            <a:r>
+              <a:rPr lang="en-GB" sz="1100" dirty="0" err="1">
+                <a:solidFill>
+                  <a:srgbClr val="000000"/>
+                </a:solidFill>
+                <a:latin typeface="Cascadia Mono" panose="020B0609020000020004" pitchFamily="49" charset="0"/>
+              </a:rPr>
+              <a:t>SetActorHiddenInGame</a:t>
+            </a:r>
+            <a:r>
+              <a:rPr lang="en-GB" sz="1100" dirty="0">
+                <a:solidFill>
+                  <a:srgbClr val="000000"/>
+                </a:solidFill>
+                <a:latin typeface="Cascadia Mono" panose="020B0609020000020004" pitchFamily="49" charset="0"/>
+              </a:rPr>
+              <a:t>(</a:t>
+            </a:r>
+            <a:r>
+              <a:rPr lang="en-GB" sz="1100" dirty="0">
+                <a:solidFill>
+                  <a:srgbClr val="0000FF"/>
+                </a:solidFill>
+                <a:latin typeface="Cascadia Mono" panose="020B0609020000020004" pitchFamily="49" charset="0"/>
+              </a:rPr>
+              <a:t>true</a:t>
+            </a:r>
+            <a:r>
+              <a:rPr lang="en-GB" sz="1100" dirty="0">
+                <a:solidFill>
+                  <a:srgbClr val="000000"/>
+                </a:solidFill>
+                <a:latin typeface="Cascadia Mono" panose="020B0609020000020004" pitchFamily="49" charset="0"/>
+              </a:rPr>
+              <a:t>);</a:t>
+            </a:r>
+            <a:r>
+              <a:rPr lang="en-GB" sz="1100" dirty="0">
+                <a:solidFill>
+                  <a:srgbClr val="008000"/>
+                </a:solidFill>
+                <a:latin typeface="Cascadia Mono" panose="020B0609020000020004" pitchFamily="49" charset="0"/>
+              </a:rPr>
+              <a:t> // hide the platform</a:t>
+            </a:r>
+          </a:p>
+          <a:p>
+            <a:pPr marL="0" indent="0">
+              <a:buNone/>
+            </a:pPr>
+            <a:endParaRPr lang="en-GB" sz="1600" dirty="0"/>
+          </a:p>
+          <a:p>
+            <a:pPr marL="0" indent="0">
+              <a:buNone/>
+            </a:pPr>
+            <a:r>
+              <a:rPr lang="en-GB" sz="1200" dirty="0"/>
+              <a:t> After 5 seconds the platform will respawn with collision enabled.</a:t>
+            </a:r>
+          </a:p>
+          <a:p>
+            <a:pPr marL="0" indent="0">
+              <a:buNone/>
+            </a:pPr>
+            <a:r>
+              <a:rPr lang="en-GB" sz="1200" dirty="0" err="1">
+                <a:solidFill>
+                  <a:srgbClr val="000000"/>
+                </a:solidFill>
+                <a:latin typeface="Cascadia Mono" panose="020B0609020000020004" pitchFamily="49" charset="0"/>
+              </a:rPr>
+              <a:t>SetActorHiddenInGame</a:t>
+            </a:r>
+            <a:r>
+              <a:rPr lang="en-GB" sz="1200" dirty="0">
+                <a:solidFill>
+                  <a:srgbClr val="000000"/>
+                </a:solidFill>
+                <a:latin typeface="Cascadia Mono" panose="020B0609020000020004" pitchFamily="49" charset="0"/>
+              </a:rPr>
+              <a:t>(</a:t>
+            </a:r>
+            <a:r>
+              <a:rPr lang="en-GB" sz="1200" dirty="0">
+                <a:solidFill>
+                  <a:srgbClr val="0000FF"/>
+                </a:solidFill>
+                <a:latin typeface="Cascadia Mono" panose="020B0609020000020004" pitchFamily="49" charset="0"/>
+              </a:rPr>
+              <a:t>false</a:t>
+            </a:r>
+            <a:r>
+              <a:rPr lang="en-GB" sz="1200" dirty="0">
+                <a:solidFill>
+                  <a:srgbClr val="000000"/>
+                </a:solidFill>
+                <a:latin typeface="Cascadia Mono" panose="020B0609020000020004" pitchFamily="49" charset="0"/>
+              </a:rPr>
+              <a:t>);</a:t>
+            </a:r>
+            <a:r>
+              <a:rPr lang="en-GB" sz="1200" dirty="0">
+                <a:solidFill>
+                  <a:srgbClr val="008000"/>
+                </a:solidFill>
+                <a:latin typeface="Cascadia Mono" panose="020B0609020000020004" pitchFamily="49" charset="0"/>
+              </a:rPr>
+              <a:t> // enable the platform</a:t>
+            </a:r>
+          </a:p>
+          <a:p>
+            <a:pPr marL="0" indent="0">
+              <a:buNone/>
+            </a:pPr>
+            <a:r>
+              <a:rPr lang="en-GB" sz="1200" dirty="0" err="1">
+                <a:solidFill>
+                  <a:srgbClr val="000000"/>
+                </a:solidFill>
+                <a:latin typeface="Cascadia Mono" panose="020B0609020000020004" pitchFamily="49" charset="0"/>
+              </a:rPr>
+              <a:t>BoxCollisionComponent</a:t>
+            </a:r>
+            <a:r>
+              <a:rPr lang="en-GB" sz="1200" dirty="0">
+                <a:solidFill>
+                  <a:srgbClr val="000000"/>
+                </a:solidFill>
+                <a:latin typeface="Cascadia Mono" panose="020B0609020000020004" pitchFamily="49" charset="0"/>
+              </a:rPr>
+              <a:t>-&gt;</a:t>
+            </a:r>
+            <a:r>
+              <a:rPr lang="en-GB" sz="1200" dirty="0" err="1">
+                <a:solidFill>
+                  <a:srgbClr val="000000"/>
+                </a:solidFill>
+                <a:latin typeface="Cascadia Mono" panose="020B0609020000020004" pitchFamily="49" charset="0"/>
+              </a:rPr>
+              <a:t>SetCollisionEnabled</a:t>
+            </a:r>
+            <a:r>
+              <a:rPr lang="en-GB" sz="1200" dirty="0">
+                <a:solidFill>
+                  <a:srgbClr val="000000"/>
+                </a:solidFill>
+                <a:latin typeface="Cascadia Mono" panose="020B0609020000020004" pitchFamily="49" charset="0"/>
+              </a:rPr>
+              <a:t>(</a:t>
+            </a:r>
+            <a:r>
+              <a:rPr lang="en-GB" sz="1200" dirty="0" err="1">
+                <a:solidFill>
+                  <a:srgbClr val="000000"/>
+                </a:solidFill>
+                <a:latin typeface="Cascadia Mono" panose="020B0609020000020004" pitchFamily="49" charset="0"/>
+              </a:rPr>
+              <a:t>ECollisionEnabled</a:t>
+            </a:r>
+            <a:r>
+              <a:rPr lang="en-GB" sz="1200" dirty="0">
+                <a:solidFill>
+                  <a:srgbClr val="000000"/>
+                </a:solidFill>
+                <a:latin typeface="Cascadia Mono" panose="020B0609020000020004" pitchFamily="49" charset="0"/>
+              </a:rPr>
+              <a:t>::</a:t>
+            </a:r>
+            <a:r>
+              <a:rPr lang="en-GB" sz="1200" dirty="0" err="1">
+                <a:solidFill>
+                  <a:srgbClr val="000000"/>
+                </a:solidFill>
+                <a:latin typeface="Cascadia Mono" panose="020B0609020000020004" pitchFamily="49" charset="0"/>
+              </a:rPr>
+              <a:t>QueryAndPhysics</a:t>
+            </a:r>
+            <a:r>
+              <a:rPr lang="en-GB" sz="1200" dirty="0">
+                <a:solidFill>
+                  <a:srgbClr val="000000"/>
+                </a:solidFill>
+                <a:latin typeface="Cascadia Mono" panose="020B0609020000020004" pitchFamily="49" charset="0"/>
+              </a:rPr>
+              <a:t>);</a:t>
+            </a:r>
+            <a:r>
+              <a:rPr lang="en-GB" sz="1200" dirty="0">
+                <a:solidFill>
+                  <a:srgbClr val="008000"/>
+                </a:solidFill>
+                <a:latin typeface="Cascadia Mono" panose="020B0609020000020004" pitchFamily="49" charset="0"/>
+              </a:rPr>
+              <a:t> // enable platform collision</a:t>
+            </a:r>
+          </a:p>
+          <a:p>
+            <a:endParaRPr lang="en-GB" sz="1200" dirty="0"/>
           </a:p>
         </p:txBody>
       </p:sp>
+      <p:pic>
+        <p:nvPicPr>
+          <p:cNvPr id="5" name="Picture 4">
+            <a:extLst>
+              <a:ext uri="{FF2B5EF4-FFF2-40B4-BE49-F238E27FC236}">
+                <a16:creationId xmlns:a16="http://schemas.microsoft.com/office/drawing/2014/main" id="{30790B0D-DAEB-DEC5-DB85-EFA0CBCA3253}"/>
+              </a:ext>
+            </a:extLst>
+          </p:cNvPr>
+          <p:cNvPicPr>
+            <a:picLocks noChangeAspect="1"/>
+          </p:cNvPicPr>
+          <p:nvPr/>
+        </p:nvPicPr>
+        <p:blipFill>
+          <a:blip r:embed="rId2"/>
+          <a:stretch>
+            <a:fillRect/>
+          </a:stretch>
+        </p:blipFill>
+        <p:spPr>
+          <a:xfrm>
+            <a:off x="8316540" y="393915"/>
+            <a:ext cx="3384229" cy="1949916"/>
+          </a:xfrm>
+          <a:prstGeom prst="rect">
+            <a:avLst/>
+          </a:prstGeom>
+        </p:spPr>
+      </p:pic>
     </p:spTree>
     <p:extLst>
       <p:ext uri="{BB962C8B-B14F-4D97-AF65-F5344CB8AC3E}">
@@ -14183,7 +15028,441 @@
 </p:sld>
 </file>
 
-<file path=ppt/slides/slide4.xml><?xml version="1.0" encoding="utf-8"?>
+<file path=ppt/slides/slide5.xml><?xml version="1.0" encoding="utf-8"?>
+<p:sld xmlns:a="http://schemas.openxmlformats.org/drawingml/2006/main" xmlns:r="http://schemas.openxmlformats.org/officeDocument/2006/relationships" xmlns:p="http://schemas.openxmlformats.org/presentationml/2006/main">
+  <p:cSld>
+    <p:spTree>
+      <p:nvGrpSpPr>
+        <p:cNvPr id="1" name=""/>
+        <p:cNvGrpSpPr/>
+        <p:nvPr/>
+      </p:nvGrpSpPr>
+      <p:grpSpPr>
+        <a:xfrm>
+          <a:off x="0" y="0"/>
+          <a:ext cx="0" cy="0"/>
+          <a:chOff x="0" y="0"/>
+          <a:chExt cx="0" cy="0"/>
+        </a:xfrm>
+      </p:grpSpPr>
+      <p:sp>
+        <p:nvSpPr>
+          <p:cNvPr id="2" name="Title 1">
+            <a:extLst>
+              <a:ext uri="{FF2B5EF4-FFF2-40B4-BE49-F238E27FC236}">
+                <a16:creationId xmlns:a16="http://schemas.microsoft.com/office/drawing/2014/main" id="{C110E74B-6957-8829-4BCA-8AC99750BF72}"/>
+              </a:ext>
+            </a:extLst>
+          </p:cNvPr>
+          <p:cNvSpPr>
+            <a:spLocks noGrp="1"/>
+          </p:cNvSpPr>
+          <p:nvPr>
+            <p:ph type="title"/>
+          </p:nvPr>
+        </p:nvSpPr>
+        <p:spPr/>
+        <p:txBody>
+          <a:bodyPr/>
+          <a:lstStyle/>
+          <a:p>
+            <a:r>
+              <a:rPr lang="en-GB" i="0" dirty="0">
+                <a:latin typeface="ADLaM Display" panose="02010000000000000000" pitchFamily="2" charset="0"/>
+                <a:ea typeface="ADLaM Display" panose="02010000000000000000" pitchFamily="2" charset="0"/>
+                <a:cs typeface="ADLaM Display" panose="02010000000000000000" pitchFamily="2" charset="0"/>
+              </a:rPr>
+              <a:t>Obstacles</a:t>
+            </a:r>
+          </a:p>
+        </p:txBody>
+      </p:sp>
+      <p:pic>
+        <p:nvPicPr>
+          <p:cNvPr id="5" name="Content Placeholder 4">
+            <a:extLst>
+              <a:ext uri="{FF2B5EF4-FFF2-40B4-BE49-F238E27FC236}">
+                <a16:creationId xmlns:a16="http://schemas.microsoft.com/office/drawing/2014/main" id="{BE8D4575-E143-AC48-B4A7-2BFFC143510B}"/>
+              </a:ext>
+            </a:extLst>
+          </p:cNvPr>
+          <p:cNvPicPr>
+            <a:picLocks noGrp="1" noChangeAspect="1"/>
+          </p:cNvPicPr>
+          <p:nvPr>
+            <p:ph idx="1"/>
+          </p:nvPr>
+        </p:nvPicPr>
+        <p:blipFill>
+          <a:blip r:embed="rId2"/>
+          <a:stretch>
+            <a:fillRect/>
+          </a:stretch>
+        </p:blipFill>
+        <p:spPr>
+          <a:xfrm>
+            <a:off x="9935164" y="474957"/>
+            <a:ext cx="1309947" cy="2611276"/>
+          </a:xfrm>
+        </p:spPr>
+      </p:pic>
+      <p:sp>
+        <p:nvSpPr>
+          <p:cNvPr id="6" name="Content Placeholder 2">
+            <a:extLst>
+              <a:ext uri="{FF2B5EF4-FFF2-40B4-BE49-F238E27FC236}">
+                <a16:creationId xmlns:a16="http://schemas.microsoft.com/office/drawing/2014/main" id="{F1D7EA1F-8641-C442-3A4F-2F61704607E6}"/>
+              </a:ext>
+            </a:extLst>
+          </p:cNvPr>
+          <p:cNvSpPr txBox="1">
+            <a:spLocks/>
+          </p:cNvSpPr>
+          <p:nvPr/>
+        </p:nvSpPr>
+        <p:spPr>
+          <a:xfrm>
+            <a:off x="664715" y="1348739"/>
+            <a:ext cx="10862569" cy="5238491"/>
+          </a:xfrm>
+          <a:prstGeom prst="rect">
+            <a:avLst/>
+          </a:prstGeom>
+        </p:spPr>
+        <p:txBody>
+          <a:bodyPr vert="horz" lIns="91440" tIns="45720" rIns="91440" bIns="45720" rtlCol="0">
+            <a:normAutofit/>
+          </a:bodyPr>
+          <a:lstStyle>
+            <a:lvl1pPr marL="228600" indent="-228600" algn="l" defTabSz="914400" rtl="0" eaLnBrk="1" latinLnBrk="0" hangingPunct="1">
+              <a:lnSpc>
+                <a:spcPct val="100000"/>
+              </a:lnSpc>
+              <a:spcBef>
+                <a:spcPts val="1000"/>
+              </a:spcBef>
+              <a:buFont typeface="Arial" panose="020B0604020202020204" pitchFamily="34" charset="0"/>
+              <a:buChar char="•"/>
+              <a:defRPr sz="2800" kern="1200">
+                <a:solidFill>
+                  <a:schemeClr val="tx1"/>
+                </a:solidFill>
+                <a:latin typeface="+mn-lt"/>
+                <a:ea typeface="+mn-ea"/>
+                <a:cs typeface="+mn-cs"/>
+              </a:defRPr>
+            </a:lvl1pPr>
+            <a:lvl2pPr marL="685800" indent="-228600" algn="l" defTabSz="914400" rtl="0" eaLnBrk="1" latinLnBrk="0" hangingPunct="1">
+              <a:lnSpc>
+                <a:spcPct val="100000"/>
+              </a:lnSpc>
+              <a:spcBef>
+                <a:spcPts val="500"/>
+              </a:spcBef>
+              <a:buFont typeface="Arial" panose="020B0604020202020204" pitchFamily="34" charset="0"/>
+              <a:buChar char="•"/>
+              <a:defRPr sz="2400" kern="1200">
+                <a:solidFill>
+                  <a:schemeClr val="tx1"/>
+                </a:solidFill>
+                <a:latin typeface="+mn-lt"/>
+                <a:ea typeface="+mn-ea"/>
+                <a:cs typeface="+mn-cs"/>
+              </a:defRPr>
+            </a:lvl2pPr>
+            <a:lvl3pPr marL="1143000" indent="-228600" algn="l" defTabSz="914400" rtl="0" eaLnBrk="1" latinLnBrk="0" hangingPunct="1">
+              <a:lnSpc>
+                <a:spcPct val="100000"/>
+              </a:lnSpc>
+              <a:spcBef>
+                <a:spcPts val="500"/>
+              </a:spcBef>
+              <a:buFont typeface="Arial" panose="020B0604020202020204" pitchFamily="34" charset="0"/>
+              <a:buChar char="•"/>
+              <a:defRPr sz="2000" kern="1200">
+                <a:solidFill>
+                  <a:schemeClr val="tx1"/>
+                </a:solidFill>
+                <a:latin typeface="+mn-lt"/>
+                <a:ea typeface="+mn-ea"/>
+                <a:cs typeface="+mn-cs"/>
+              </a:defRPr>
+            </a:lvl3pPr>
+            <a:lvl4pPr marL="1600200" indent="-228600" algn="l" defTabSz="914400" rtl="0" eaLnBrk="1" latinLnBrk="0" hangingPunct="1">
+              <a:lnSpc>
+                <a:spcPct val="100000"/>
+              </a:lnSpc>
+              <a:spcBef>
+                <a:spcPts val="500"/>
+              </a:spcBef>
+              <a:buFont typeface="Arial" panose="020B0604020202020204" pitchFamily="34" charset="0"/>
+              <a:buChar char="•"/>
+              <a:defRPr sz="1800" kern="1200">
+                <a:solidFill>
+                  <a:schemeClr val="tx1"/>
+                </a:solidFill>
+                <a:latin typeface="+mn-lt"/>
+                <a:ea typeface="+mn-ea"/>
+                <a:cs typeface="+mn-cs"/>
+              </a:defRPr>
+            </a:lvl4pPr>
+            <a:lvl5pPr marL="2057400" indent="-228600" algn="l" defTabSz="914400" rtl="0" eaLnBrk="1" latinLnBrk="0" hangingPunct="1">
+              <a:lnSpc>
+                <a:spcPct val="100000"/>
+              </a:lnSpc>
+              <a:spcBef>
+                <a:spcPts val="500"/>
+              </a:spcBef>
+              <a:buFont typeface="Arial" panose="020B0604020202020204" pitchFamily="34" charset="0"/>
+              <a:buChar char="•"/>
+              <a:defRPr sz="1800" kern="1200">
+                <a:solidFill>
+                  <a:schemeClr val="tx1"/>
+                </a:solidFill>
+                <a:latin typeface="+mn-lt"/>
+                <a:ea typeface="+mn-ea"/>
+                <a:cs typeface="+mn-cs"/>
+              </a:defRPr>
+            </a:lvl5pPr>
+            <a:lvl6pPr marL="2514600" indent="-228600" algn="l" defTabSz="914400" rtl="0" eaLnBrk="1" latinLnBrk="0" hangingPunct="1">
+              <a:lnSpc>
+                <a:spcPct val="90000"/>
+              </a:lnSpc>
+              <a:spcBef>
+                <a:spcPts val="500"/>
+              </a:spcBef>
+              <a:buFont typeface="Arial" panose="020B0604020202020204" pitchFamily="34" charset="0"/>
+              <a:buChar char="•"/>
+              <a:defRPr sz="1800" kern="1200">
+                <a:solidFill>
+                  <a:schemeClr val="tx1"/>
+                </a:solidFill>
+                <a:latin typeface="+mn-lt"/>
+                <a:ea typeface="+mn-ea"/>
+                <a:cs typeface="+mn-cs"/>
+              </a:defRPr>
+            </a:lvl6pPr>
+            <a:lvl7pPr marL="2971800" indent="-228600" algn="l" defTabSz="914400" rtl="0" eaLnBrk="1" latinLnBrk="0" hangingPunct="1">
+              <a:lnSpc>
+                <a:spcPct val="90000"/>
+              </a:lnSpc>
+              <a:spcBef>
+                <a:spcPts val="500"/>
+              </a:spcBef>
+              <a:buFont typeface="Arial" panose="020B0604020202020204" pitchFamily="34" charset="0"/>
+              <a:buChar char="•"/>
+              <a:defRPr sz="1800" kern="1200">
+                <a:solidFill>
+                  <a:schemeClr val="tx1"/>
+                </a:solidFill>
+                <a:latin typeface="+mn-lt"/>
+                <a:ea typeface="+mn-ea"/>
+                <a:cs typeface="+mn-cs"/>
+              </a:defRPr>
+            </a:lvl7pPr>
+            <a:lvl8pPr marL="3429000" indent="-228600" algn="l" defTabSz="914400" rtl="0" eaLnBrk="1" latinLnBrk="0" hangingPunct="1">
+              <a:lnSpc>
+                <a:spcPct val="90000"/>
+              </a:lnSpc>
+              <a:spcBef>
+                <a:spcPts val="500"/>
+              </a:spcBef>
+              <a:buFont typeface="Arial" panose="020B0604020202020204" pitchFamily="34" charset="0"/>
+              <a:buChar char="•"/>
+              <a:defRPr sz="1800" kern="1200">
+                <a:solidFill>
+                  <a:schemeClr val="tx1"/>
+                </a:solidFill>
+                <a:latin typeface="+mn-lt"/>
+                <a:ea typeface="+mn-ea"/>
+                <a:cs typeface="+mn-cs"/>
+              </a:defRPr>
+            </a:lvl8pPr>
+            <a:lvl9pPr marL="3886200" indent="-228600" algn="l" defTabSz="914400" rtl="0" eaLnBrk="1" latinLnBrk="0" hangingPunct="1">
+              <a:lnSpc>
+                <a:spcPct val="90000"/>
+              </a:lnSpc>
+              <a:spcBef>
+                <a:spcPts val="500"/>
+              </a:spcBef>
+              <a:buFont typeface="Arial" panose="020B0604020202020204" pitchFamily="34" charset="0"/>
+              <a:buChar char="•"/>
+              <a:defRPr sz="1800" kern="1200">
+                <a:solidFill>
+                  <a:schemeClr val="tx1"/>
+                </a:solidFill>
+                <a:latin typeface="+mn-lt"/>
+                <a:ea typeface="+mn-ea"/>
+                <a:cs typeface="+mn-cs"/>
+              </a:defRPr>
+            </a:lvl9pPr>
+          </a:lstStyle>
+          <a:p>
+            <a:r>
+              <a:rPr lang="en-GB" dirty="0"/>
+              <a:t>SWINGING SPIKE BALL</a:t>
+            </a:r>
+          </a:p>
+          <a:p>
+            <a:pPr marL="0" indent="0">
+              <a:buNone/>
+            </a:pPr>
+            <a:r>
+              <a:rPr lang="en-GB" sz="1200" dirty="0"/>
+              <a:t>Checks for player collision using blueprints but accessing player custom function </a:t>
+            </a:r>
+            <a:r>
+              <a:rPr lang="en-GB" sz="1200" dirty="0">
+                <a:solidFill>
+                  <a:srgbClr val="0000FF"/>
+                </a:solidFill>
+                <a:latin typeface="Cascadia Mono" panose="020B0609020000020004" pitchFamily="49" charset="0"/>
+              </a:rPr>
+              <a:t>void</a:t>
+            </a:r>
+            <a:r>
+              <a:rPr lang="en-GB" sz="1200" dirty="0">
+                <a:solidFill>
+                  <a:srgbClr val="000000"/>
+                </a:solidFill>
+                <a:latin typeface="Cascadia Mono" panose="020B0609020000020004" pitchFamily="49" charset="0"/>
+              </a:rPr>
+              <a:t> </a:t>
+            </a:r>
+            <a:r>
+              <a:rPr lang="en-GB" sz="1200" dirty="0" err="1">
+                <a:solidFill>
+                  <a:srgbClr val="000000"/>
+                </a:solidFill>
+                <a:latin typeface="Cascadia Mono" panose="020B0609020000020004" pitchFamily="49" charset="0"/>
+              </a:rPr>
+              <a:t>AMainCharacter</a:t>
+            </a:r>
+            <a:r>
+              <a:rPr lang="en-GB" sz="1200" dirty="0">
+                <a:solidFill>
+                  <a:srgbClr val="000000"/>
+                </a:solidFill>
+                <a:latin typeface="Cascadia Mono" panose="020B0609020000020004" pitchFamily="49" charset="0"/>
+              </a:rPr>
+              <a:t>::</a:t>
+            </a:r>
+            <a:r>
+              <a:rPr lang="en-GB" sz="1200" dirty="0" err="1">
+                <a:solidFill>
+                  <a:srgbClr val="000000"/>
+                </a:solidFill>
+                <a:latin typeface="Cascadia Mono" panose="020B0609020000020004" pitchFamily="49" charset="0"/>
+              </a:rPr>
+              <a:t>TakeDamage</a:t>
+            </a:r>
+            <a:r>
+              <a:rPr lang="en-GB" sz="1200" dirty="0">
+                <a:solidFill>
+                  <a:srgbClr val="000000"/>
+                </a:solidFill>
+                <a:latin typeface="Cascadia Mono" panose="020B0609020000020004" pitchFamily="49" charset="0"/>
+              </a:rPr>
+              <a:t> </a:t>
+            </a:r>
+          </a:p>
+          <a:p>
+            <a:pPr marL="0" indent="0">
+              <a:buNone/>
+            </a:pPr>
+            <a:r>
+              <a:rPr lang="en-GB" sz="1200" dirty="0">
+                <a:solidFill>
+                  <a:srgbClr val="000000"/>
+                </a:solidFill>
+              </a:rPr>
+              <a:t>which passes a float number which can easily be customised using blueprints.</a:t>
+            </a:r>
+          </a:p>
+          <a:p>
+            <a:pPr marL="0" indent="0">
+              <a:buNone/>
+            </a:pPr>
+            <a:r>
+              <a:rPr lang="en-GB" sz="1200" dirty="0"/>
+              <a:t>	</a:t>
+            </a:r>
+          </a:p>
+          <a:p>
+            <a:pPr marL="0" indent="0">
+              <a:buNone/>
+            </a:pPr>
+            <a:endParaRPr lang="en-GB" sz="1200" dirty="0">
+              <a:solidFill>
+                <a:srgbClr val="008000"/>
+              </a:solidFill>
+              <a:latin typeface="Cascadia Mono" panose="020B0609020000020004" pitchFamily="49" charset="0"/>
+            </a:endParaRPr>
+          </a:p>
+          <a:p>
+            <a:r>
+              <a:rPr lang="en-GB" dirty="0"/>
+              <a:t>TUNNEL</a:t>
+            </a:r>
+          </a:p>
+          <a:p>
+            <a:pPr marL="0" indent="0">
+              <a:buNone/>
+            </a:pPr>
+            <a:r>
+              <a:rPr lang="en-GB" sz="1200" dirty="0"/>
+              <a:t>Use of left shift to use crouching ability.</a:t>
+            </a:r>
+          </a:p>
+          <a:p>
+            <a:endParaRPr lang="en-GB" sz="1200" dirty="0"/>
+          </a:p>
+        </p:txBody>
+      </p:sp>
+      <p:pic>
+        <p:nvPicPr>
+          <p:cNvPr id="8" name="Picture 7">
+            <a:extLst>
+              <a:ext uri="{FF2B5EF4-FFF2-40B4-BE49-F238E27FC236}">
+                <a16:creationId xmlns:a16="http://schemas.microsoft.com/office/drawing/2014/main" id="{0F61E564-2F04-AEAF-8F17-A5ECDA56DD23}"/>
+              </a:ext>
+            </a:extLst>
+          </p:cNvPr>
+          <p:cNvPicPr>
+            <a:picLocks noChangeAspect="1"/>
+          </p:cNvPicPr>
+          <p:nvPr/>
+        </p:nvPicPr>
+        <p:blipFill>
+          <a:blip r:embed="rId3"/>
+          <a:stretch>
+            <a:fillRect/>
+          </a:stretch>
+        </p:blipFill>
+        <p:spPr>
+          <a:xfrm>
+            <a:off x="7807156" y="3204608"/>
+            <a:ext cx="3437955" cy="2881179"/>
+          </a:xfrm>
+          <a:prstGeom prst="rect">
+            <a:avLst/>
+          </a:prstGeom>
+        </p:spPr>
+      </p:pic>
+    </p:spTree>
+    <p:extLst>
+      <p:ext uri="{BB962C8B-B14F-4D97-AF65-F5344CB8AC3E}">
+        <p14:creationId xmlns:p14="http://schemas.microsoft.com/office/powerpoint/2010/main" val="3424009490"/>
+      </p:ext>
+    </p:extLst>
+  </p:cSld>
+  <p:clrMapOvr>
+    <a:masterClrMapping/>
+  </p:clrMapOvr>
+</p:sld>
+</file>
+
+<file path=ppt/slides/slide6.xml><?xml version="1.0" encoding="utf-8"?>
 <p:sld xmlns:a="http://schemas.openxmlformats.org/drawingml/2006/main" xmlns:r="http://schemas.openxmlformats.org/officeDocument/2006/relationships" xmlns:p="http://schemas.openxmlformats.org/presentationml/2006/main">
   <p:cSld>
     <p:spTree>
@@ -14222,7 +15501,11 @@
           <a:lstStyle/>
           <a:p>
             <a:r>
-              <a:rPr lang="en-GB" dirty="0"/>
+              <a:rPr lang="en-GB" i="0" dirty="0">
+                <a:latin typeface="ADLaM Display" panose="02010000000000000000" pitchFamily="2" charset="0"/>
+                <a:ea typeface="ADLaM Display" panose="02010000000000000000" pitchFamily="2" charset="0"/>
+                <a:cs typeface="ADLaM Display" panose="02010000000000000000" pitchFamily="2" charset="0"/>
+              </a:rPr>
               <a:t>Shooting</a:t>
             </a:r>
           </a:p>
@@ -14266,7 +15549,7 @@
 </p:sld>
 </file>
 
-<file path=ppt/slides/slide5.xml><?xml version="1.0" encoding="utf-8"?>
+<file path=ppt/slides/slide7.xml><?xml version="1.0" encoding="utf-8"?>
 <p:sld xmlns:a="http://schemas.openxmlformats.org/drawingml/2006/main" xmlns:r="http://schemas.openxmlformats.org/officeDocument/2006/relationships" xmlns:p="http://schemas.openxmlformats.org/presentationml/2006/main">
   <p:cSld>
     <p:spTree>
@@ -14305,7 +15588,11 @@
           <a:lstStyle/>
           <a:p>
             <a:r>
-              <a:rPr lang="en-GB" dirty="0"/>
+              <a:rPr lang="en-GB" b="1" i="0" dirty="0">
+                <a:latin typeface="+mn-lt"/>
+                <a:ea typeface="ADLaM Display" panose="02010000000000000000" pitchFamily="2" charset="0"/>
+                <a:cs typeface="ADLaM Display" panose="02010000000000000000" pitchFamily="2" charset="0"/>
+              </a:rPr>
               <a:t>Enemies</a:t>
             </a:r>
           </a:p>
@@ -14332,10 +15619,133 @@
           <a:bodyPr/>
           <a:lstStyle/>
           <a:p>
-            <a:endParaRPr lang="en-GB"/>
+            <a:r>
+              <a:rPr lang="en-GB" dirty="0"/>
+              <a:t>Lava</a:t>
+            </a:r>
+          </a:p>
+          <a:p>
+            <a:pPr marL="0" indent="0">
+              <a:buNone/>
+            </a:pPr>
+            <a:r>
+              <a:rPr lang="en-GB" sz="1200" dirty="0"/>
+              <a:t>Use of C++ function </a:t>
+            </a:r>
+            <a:r>
+              <a:rPr lang="en-GB" sz="1200" dirty="0">
+                <a:solidFill>
+                  <a:srgbClr val="0000FF"/>
+                </a:solidFill>
+                <a:latin typeface="Cascadia Mono" panose="020B0609020000020004" pitchFamily="49" charset="0"/>
+              </a:rPr>
+              <a:t>void</a:t>
+            </a:r>
+            <a:r>
+              <a:rPr lang="en-GB" sz="1200" dirty="0">
+                <a:solidFill>
+                  <a:srgbClr val="000000"/>
+                </a:solidFill>
+                <a:latin typeface="Cascadia Mono" panose="020B0609020000020004" pitchFamily="49" charset="0"/>
+              </a:rPr>
+              <a:t> </a:t>
+            </a:r>
+            <a:r>
+              <a:rPr lang="en-GB" sz="1200" dirty="0" err="1">
+                <a:solidFill>
+                  <a:srgbClr val="000000"/>
+                </a:solidFill>
+                <a:latin typeface="Cascadia Mono" panose="020B0609020000020004" pitchFamily="49" charset="0"/>
+              </a:rPr>
+              <a:t>AMainCharacter</a:t>
+            </a:r>
+            <a:r>
+              <a:rPr lang="en-GB" sz="1200" dirty="0">
+                <a:solidFill>
+                  <a:srgbClr val="000000"/>
+                </a:solidFill>
+                <a:latin typeface="Cascadia Mono" panose="020B0609020000020004" pitchFamily="49" charset="0"/>
+              </a:rPr>
+              <a:t>::</a:t>
+            </a:r>
+            <a:r>
+              <a:rPr lang="en-GB" sz="1200" dirty="0" err="1">
+                <a:solidFill>
+                  <a:srgbClr val="000000"/>
+                </a:solidFill>
+                <a:latin typeface="Cascadia Mono" panose="020B0609020000020004" pitchFamily="49" charset="0"/>
+              </a:rPr>
+              <a:t>TakeDamage</a:t>
+            </a:r>
+            <a:r>
+              <a:rPr lang="en-GB" sz="1200" dirty="0">
+                <a:solidFill>
+                  <a:srgbClr val="000000"/>
+                </a:solidFill>
+                <a:latin typeface="Cascadia Mono" panose="020B0609020000020004" pitchFamily="49" charset="0"/>
+              </a:rPr>
+              <a:t> </a:t>
+            </a:r>
+          </a:p>
+          <a:p>
+            <a:pPr marL="0" indent="0">
+              <a:buNone/>
+            </a:pPr>
+            <a:r>
+              <a:rPr lang="en-GB" sz="1200" dirty="0">
+                <a:solidFill>
+                  <a:srgbClr val="000000"/>
+                </a:solidFill>
+              </a:rPr>
+              <a:t>to set a custom damage amount using blueprints.</a:t>
+            </a:r>
+          </a:p>
+          <a:p>
+            <a:pPr marL="0" indent="0">
+              <a:buNone/>
+            </a:pPr>
+            <a:r>
+              <a:rPr lang="en-GB" sz="1200" dirty="0">
+                <a:solidFill>
+                  <a:srgbClr val="000000"/>
+                </a:solidFill>
+              </a:rPr>
+              <a:t>The only difference this time, is the instant damage is set to 101 with delay respawn time, to present play again menu to the player.</a:t>
+            </a:r>
+            <a:endParaRPr lang="en-GB" sz="1200" dirty="0"/>
           </a:p>
         </p:txBody>
       </p:sp>
+      <p:pic>
+        <p:nvPicPr>
+          <p:cNvPr id="5" name="Picture 4">
+            <a:extLst>
+              <a:ext uri="{FF2B5EF4-FFF2-40B4-BE49-F238E27FC236}">
+                <a16:creationId xmlns:a16="http://schemas.microsoft.com/office/drawing/2014/main" id="{EB3609F1-296A-0B8B-FBC5-539326EF0795}"/>
+              </a:ext>
+            </a:extLst>
+          </p:cNvPr>
+          <p:cNvPicPr>
+            <a:picLocks noChangeAspect="1"/>
+          </p:cNvPicPr>
+          <p:nvPr/>
+        </p:nvPicPr>
+        <p:blipFill>
+          <a:blip r:embed="rId2"/>
+          <a:stretch>
+            <a:fillRect/>
+          </a:stretch>
+        </p:blipFill>
+        <p:spPr>
+          <a:xfrm>
+            <a:off x="5804546" y="1293976"/>
+            <a:ext cx="6252001" cy="1807644"/>
+          </a:xfrm>
+          <a:prstGeom prst="rect">
+            <a:avLst/>
+          </a:prstGeom>
+        </p:spPr>
+      </p:pic>
     </p:spTree>
     <p:extLst>
       <p:ext uri="{BB962C8B-B14F-4D97-AF65-F5344CB8AC3E}">
@@ -14349,7 +15759,7 @@
 </p:sld>
 </file>
 
-<file path=ppt/slides/slide6.xml><?xml version="1.0" encoding="utf-8"?>
+<file path=ppt/slides/slide8.xml><?xml version="1.0" encoding="utf-8"?>
 <p:sld xmlns:a="http://schemas.openxmlformats.org/drawingml/2006/main" xmlns:r="http://schemas.openxmlformats.org/officeDocument/2006/relationships" xmlns:p="http://schemas.openxmlformats.org/presentationml/2006/main">
   <p:cSld>
     <p:spTree>
@@ -14388,7 +15798,9 @@
           <a:lstStyle/>
           <a:p>
             <a:r>
-              <a:rPr lang="en-GB" dirty="0"/>
+              <a:rPr lang="en-GB" b="1" i="0" dirty="0">
+                <a:latin typeface="+mn-lt"/>
+              </a:rPr>
               <a:t>Collectibles</a:t>
             </a:r>
           </a:p>
@@ -14415,7 +15827,7 @@
           <a:bodyPr/>
           <a:lstStyle/>
           <a:p>
-            <a:endParaRPr lang="en-GB"/>
+            <a:endParaRPr lang="en-GB" dirty="0"/>
           </a:p>
         </p:txBody>
       </p:sp>
@@ -14432,7 +15844,7 @@
 </p:sld>
 </file>
 
-<file path=ppt/slides/slide7.xml><?xml version="1.0" encoding="utf-8"?>
+<file path=ppt/slides/slide9.xml><?xml version="1.0" encoding="utf-8"?>
 <p:sld xmlns:a="http://schemas.openxmlformats.org/drawingml/2006/main" xmlns:r="http://schemas.openxmlformats.org/officeDocument/2006/relationships" xmlns:p="http://schemas.openxmlformats.org/presentationml/2006/main">
   <p:cSld>
     <p:spTree>

--- a/LavaEscapeSlides.pptx
+++ b/LavaEscapeSlides.pptx
@@ -14,6 +14,7 @@
     <p:sldId id="259" r:id="rId8"/>
     <p:sldId id="260" r:id="rId9"/>
     <p:sldId id="262" r:id="rId10"/>
+    <p:sldId id="265" r:id="rId11"/>
   </p:sldIdLst>
   <p:sldSz cx="12192000" cy="6858000"/>
   <p:notesSz cx="6858000" cy="9144000"/>
@@ -2467,7 +2468,7 @@
           <a:p>
             <a:fld id="{3C04E684-10F4-4CC3-A0B9-F03AA7BE37CF}" type="datetimeFigureOut">
               <a:rPr lang="en-US" smtClean="0"/>
-              <a:t>12/18/2023</a:t>
+              <a:t>12/19/2023</a:t>
             </a:fld>
             <a:endParaRPr lang="en-US"/>
           </a:p>
@@ -4957,7 +4958,7 @@
           <a:p>
             <a:fld id="{3C04E684-10F4-4CC3-A0B9-F03AA7BE37CF}" type="datetimeFigureOut">
               <a:rPr lang="en-US" smtClean="0"/>
-              <a:t>12/18/2023</a:t>
+              <a:t>12/19/2023</a:t>
             </a:fld>
             <a:endParaRPr lang="en-US"/>
           </a:p>
@@ -5155,7 +5156,7 @@
           <a:p>
             <a:fld id="{3C04E684-10F4-4CC3-A0B9-F03AA7BE37CF}" type="datetimeFigureOut">
               <a:rPr lang="en-US" smtClean="0"/>
-              <a:t>12/18/2023</a:t>
+              <a:t>12/19/2023</a:t>
             </a:fld>
             <a:endParaRPr lang="en-US"/>
           </a:p>
@@ -5363,7 +5364,7 @@
           <a:p>
             <a:fld id="{3C04E684-10F4-4CC3-A0B9-F03AA7BE37CF}" type="datetimeFigureOut">
               <a:rPr lang="en-US" smtClean="0"/>
-              <a:t>12/18/2023</a:t>
+              <a:t>12/19/2023</a:t>
             </a:fld>
             <a:endParaRPr lang="en-US"/>
           </a:p>
@@ -6100,7 +6101,7 @@
           <a:p>
             <a:fld id="{3C04E684-10F4-4CC3-A0B9-F03AA7BE37CF}" type="datetimeFigureOut">
               <a:rPr lang="en-US" smtClean="0"/>
-              <a:t>12/18/2023</a:t>
+              <a:t>12/19/2023</a:t>
             </a:fld>
             <a:endParaRPr lang="en-US"/>
           </a:p>
@@ -6742,7 +6743,7 @@
           <a:p>
             <a:fld id="{3C04E684-10F4-4CC3-A0B9-F03AA7BE37CF}" type="datetimeFigureOut">
               <a:rPr lang="en-US" smtClean="0"/>
-              <a:t>12/18/2023</a:t>
+              <a:t>12/19/2023</a:t>
             </a:fld>
             <a:endParaRPr lang="en-US"/>
           </a:p>
@@ -7542,7 +7543,7 @@
           <a:p>
             <a:fld id="{3C04E684-10F4-4CC3-A0B9-F03AA7BE37CF}" type="datetimeFigureOut">
               <a:rPr lang="en-US" smtClean="0"/>
-              <a:t>12/18/2023</a:t>
+              <a:t>12/19/2023</a:t>
             </a:fld>
             <a:endParaRPr lang="en-US"/>
           </a:p>
@@ -8493,7 +8494,7 @@
           <a:p>
             <a:fld id="{3C04E684-10F4-4CC3-A0B9-F03AA7BE37CF}" type="datetimeFigureOut">
               <a:rPr lang="en-US" smtClean="0"/>
-              <a:t>12/18/2023</a:t>
+              <a:t>12/19/2023</a:t>
             </a:fld>
             <a:endParaRPr lang="en-US"/>
           </a:p>
@@ -10842,7 +10843,7 @@
           <a:p>
             <a:fld id="{3C04E684-10F4-4CC3-A0B9-F03AA7BE37CF}" type="datetimeFigureOut">
               <a:rPr lang="en-US" smtClean="0"/>
-              <a:t>12/18/2023</a:t>
+              <a:t>12/19/2023</a:t>
             </a:fld>
             <a:endParaRPr lang="en-US"/>
           </a:p>
@@ -10955,7 +10956,7 @@
           <a:p>
             <a:fld id="{3C04E684-10F4-4CC3-A0B9-F03AA7BE37CF}" type="datetimeFigureOut">
               <a:rPr lang="en-US" smtClean="0"/>
-              <a:t>12/18/2023</a:t>
+              <a:t>12/19/2023</a:t>
             </a:fld>
             <a:endParaRPr lang="en-US"/>
           </a:p>
@@ -11462,7 +11463,7 @@
           <a:p>
             <a:fld id="{3C04E684-10F4-4CC3-A0B9-F03AA7BE37CF}" type="datetimeFigureOut">
               <a:rPr lang="en-US" smtClean="0"/>
-              <a:t>12/18/2023</a:t>
+              <a:t>12/19/2023</a:t>
             </a:fld>
             <a:endParaRPr lang="en-US"/>
           </a:p>
@@ -12765,7 +12766,7 @@
           <a:p>
             <a:fld id="{3C04E684-10F4-4CC3-A0B9-F03AA7BE37CF}" type="datetimeFigureOut">
               <a:rPr lang="en-US" smtClean="0"/>
-              <a:t>12/18/2023</a:t>
+              <a:t>12/19/2023</a:t>
             </a:fld>
             <a:endParaRPr lang="en-US"/>
           </a:p>
@@ -13012,7 +13013,7 @@
           <a:p>
             <a:fld id="{3C04E684-10F4-4CC3-A0B9-F03AA7BE37CF}" type="datetimeFigureOut">
               <a:rPr lang="en-US" smtClean="0"/>
-              <a:t>12/18/2023</a:t>
+              <a:t>12/19/2023</a:t>
             </a:fld>
             <a:endParaRPr lang="en-US"/>
           </a:p>
@@ -14024,6 +14025,229 @@
 </p:sld>
 </file>
 
+<file path=ppt/slides/slide10.xml><?xml version="1.0" encoding="utf-8"?>
+<p:sld xmlns:a="http://schemas.openxmlformats.org/drawingml/2006/main" xmlns:r="http://schemas.openxmlformats.org/officeDocument/2006/relationships" xmlns:p="http://schemas.openxmlformats.org/presentationml/2006/main">
+  <p:cSld>
+    <p:spTree>
+      <p:nvGrpSpPr>
+        <p:cNvPr id="1" name=""/>
+        <p:cNvGrpSpPr/>
+        <p:nvPr/>
+      </p:nvGrpSpPr>
+      <p:grpSpPr>
+        <a:xfrm>
+          <a:off x="0" y="0"/>
+          <a:ext cx="0" cy="0"/>
+          <a:chOff x="0" y="0"/>
+          <a:chExt cx="0" cy="0"/>
+        </a:xfrm>
+      </p:grpSpPr>
+      <p:sp>
+        <p:nvSpPr>
+          <p:cNvPr id="2" name="TextBox 1">
+            <a:extLst>
+              <a:ext uri="{FF2B5EF4-FFF2-40B4-BE49-F238E27FC236}">
+                <a16:creationId xmlns:a16="http://schemas.microsoft.com/office/drawing/2014/main" id="{4E5DD1A5-E371-AA90-4C6E-6E939A5A8209}"/>
+              </a:ext>
+            </a:extLst>
+          </p:cNvPr>
+          <p:cNvSpPr txBox="1"/>
+          <p:nvPr/>
+        </p:nvSpPr>
+        <p:spPr>
+          <a:xfrm>
+            <a:off x="347472" y="420624"/>
+            <a:ext cx="11844528" cy="6340394"/>
+          </a:xfrm>
+          <a:prstGeom prst="rect">
+            <a:avLst/>
+          </a:prstGeom>
+          <a:noFill/>
+        </p:spPr>
+        <p:txBody>
+          <a:bodyPr wrap="square" rtlCol="0">
+            <a:noAutofit/>
+          </a:bodyPr>
+          <a:lstStyle/>
+          <a:p>
+            <a:r>
+              <a:rPr lang="en-GB" b="1" dirty="0"/>
+              <a:t>References:</a:t>
+            </a:r>
+          </a:p>
+          <a:p>
+            <a:r>
+              <a:rPr lang="en-GB" sz="1800" kern="100" dirty="0">
+                <a:effectLst/>
+                <a:latin typeface="Calibri" panose="020F0502020204030204" pitchFamily="34" charset="0"/>
+                <a:ea typeface="Calibri" panose="020F0502020204030204" pitchFamily="34" charset="0"/>
+                <a:cs typeface="Times New Roman" panose="02020603050405020304" pitchFamily="18" charset="0"/>
+              </a:rPr>
+              <a:t>-</a:t>
+            </a:r>
+            <a:r>
+              <a:rPr lang="en-GB" sz="1800" kern="100" dirty="0" err="1">
+                <a:effectLst/>
+                <a:ea typeface="Calibri" panose="020F0502020204030204" pitchFamily="34" charset="0"/>
+                <a:cs typeface="Times New Roman" panose="02020603050405020304" pitchFamily="18" charset="0"/>
+              </a:rPr>
+              <a:t>Maybull</a:t>
+            </a:r>
+            <a:r>
+              <a:rPr lang="en-GB" sz="1800" kern="100" dirty="0">
+                <a:effectLst/>
+                <a:ea typeface="Calibri" panose="020F0502020204030204" pitchFamily="34" charset="0"/>
+                <a:cs typeface="Times New Roman" panose="02020603050405020304" pitchFamily="18" charset="0"/>
+              </a:rPr>
+              <a:t> Studios, ND, Stylized Rock Pack, Available at: Epic Games Marketplace [Accessed 10/11/2023]</a:t>
+            </a:r>
+          </a:p>
+          <a:p>
+            <a:r>
+              <a:rPr lang="en-GB" dirty="0"/>
+              <a:t>-</a:t>
+            </a:r>
+            <a:r>
+              <a:rPr lang="en-GB" sz="1800" kern="100" dirty="0" err="1">
+                <a:effectLst/>
+                <a:ea typeface="Calibri" panose="020F0502020204030204" pitchFamily="34" charset="0"/>
+                <a:cs typeface="Times New Roman" panose="02020603050405020304" pitchFamily="18" charset="0"/>
+              </a:rPr>
+              <a:t>Megascans</a:t>
+            </a:r>
+            <a:r>
+              <a:rPr lang="en-GB" sz="1800" kern="100" dirty="0">
+                <a:effectLst/>
+                <a:ea typeface="Calibri" panose="020F0502020204030204" pitchFamily="34" charset="0"/>
+                <a:cs typeface="Times New Roman" panose="02020603050405020304" pitchFamily="18" charset="0"/>
+              </a:rPr>
+              <a:t>, ND, </a:t>
+            </a:r>
+            <a:r>
+              <a:rPr lang="en-GB" sz="1800" kern="100" dirty="0" err="1">
+                <a:effectLst/>
+                <a:ea typeface="Calibri" panose="020F0502020204030204" pitchFamily="34" charset="0"/>
+                <a:cs typeface="Times New Roman" panose="02020603050405020304" pitchFamily="18" charset="0"/>
+              </a:rPr>
+              <a:t>Cobblestone_ulrlacifw</a:t>
+            </a:r>
+            <a:r>
+              <a:rPr lang="en-GB" sz="1800" kern="100" dirty="0">
+                <a:effectLst/>
+                <a:ea typeface="Calibri" panose="020F0502020204030204" pitchFamily="34" charset="0"/>
+                <a:cs typeface="Times New Roman" panose="02020603050405020304" pitchFamily="18" charset="0"/>
+              </a:rPr>
+              <a:t>, Available at: </a:t>
+            </a:r>
+            <a:r>
+              <a:rPr lang="en-GB" sz="1800" u="sng" kern="100" dirty="0">
+                <a:solidFill>
+                  <a:srgbClr val="0000FF"/>
+                </a:solidFill>
+                <a:effectLst/>
+                <a:ea typeface="Calibri" panose="020F0502020204030204" pitchFamily="34" charset="0"/>
+                <a:cs typeface="Times New Roman" panose="02020603050405020304" pitchFamily="18" charset="0"/>
+                <a:hlinkClick r:id="rId2"/>
+              </a:rPr>
+              <a:t>https://quixel.com/megascans/home?category=surface&amp;search=Cobblestone_ulrlacifw&amp;assetId=ulrlacifw</a:t>
+            </a:r>
+            <a:r>
+              <a:rPr lang="en-GB" sz="1800" kern="100" dirty="0">
+                <a:effectLst/>
+                <a:ea typeface="Calibri" panose="020F0502020204030204" pitchFamily="34" charset="0"/>
+                <a:cs typeface="Times New Roman" panose="02020603050405020304" pitchFamily="18" charset="0"/>
+              </a:rPr>
+              <a:t> [Accessed 15/11/2023]</a:t>
+            </a:r>
+          </a:p>
+          <a:p>
+            <a:r>
+              <a:rPr lang="en-GB" b="1" kern="100" dirty="0">
+                <a:ea typeface="Calibri" panose="020F0502020204030204" pitchFamily="34" charset="0"/>
+                <a:cs typeface="Times New Roman" panose="02020603050405020304" pitchFamily="18" charset="0"/>
+              </a:rPr>
+              <a:t>AUDIO:</a:t>
+            </a:r>
+            <a:endParaRPr lang="en-GB" sz="1800" b="1" kern="100" dirty="0">
+              <a:effectLst/>
+              <a:ea typeface="Calibri" panose="020F0502020204030204" pitchFamily="34" charset="0"/>
+              <a:cs typeface="Times New Roman" panose="02020603050405020304" pitchFamily="18" charset="0"/>
+            </a:endParaRPr>
+          </a:p>
+          <a:p>
+            <a:r>
+              <a:rPr lang="en-GB" dirty="0"/>
+              <a:t>-</a:t>
+            </a:r>
+            <a:r>
+              <a:rPr lang="en-GB" i="1" dirty="0">
+                <a:effectLst/>
+              </a:rPr>
+              <a:t>Button-pressed | royalty-free music - </a:t>
+            </a:r>
+            <a:r>
+              <a:rPr lang="en-GB" i="1" dirty="0" err="1">
+                <a:effectLst/>
+              </a:rPr>
+              <a:t>pixabay</a:t>
+            </a:r>
+            <a:r>
+              <a:rPr lang="en-GB" dirty="0">
+                <a:effectLst/>
+              </a:rPr>
+              <a:t>. Available at: https://pixabay.com/sound-effects/button-pressed-38129/ (Accessed: 19 December 2023). </a:t>
+            </a:r>
+          </a:p>
+          <a:p>
+            <a:r>
+              <a:rPr lang="en-GB" dirty="0"/>
+              <a:t>-</a:t>
+            </a:r>
+            <a:r>
+              <a:rPr lang="en-GB" i="1" dirty="0">
+                <a:effectLst/>
+              </a:rPr>
+              <a:t>Labyrinth of Despair | royalty-free music - </a:t>
+            </a:r>
+            <a:r>
+              <a:rPr lang="en-GB" i="1" dirty="0" err="1">
+                <a:effectLst/>
+              </a:rPr>
+              <a:t>pixabay</a:t>
+            </a:r>
+            <a:r>
+              <a:rPr lang="en-GB" dirty="0">
+                <a:effectLst/>
+              </a:rPr>
+              <a:t>. Available at: https://pixabay.com/music/build-up-scenes-labyrinth-of-despair-166594/ (Accessed: 19 December 2023). </a:t>
+            </a:r>
+          </a:p>
+          <a:p>
+            <a:endParaRPr lang="en-GB" dirty="0">
+              <a:effectLst/>
+            </a:endParaRPr>
+          </a:p>
+          <a:p>
+            <a:endParaRPr lang="en-GB" dirty="0"/>
+          </a:p>
+          <a:p>
+            <a:endParaRPr lang="en-GB" dirty="0"/>
+          </a:p>
+        </p:txBody>
+      </p:sp>
+    </p:spTree>
+    <p:extLst>
+      <p:ext uri="{BB962C8B-B14F-4D97-AF65-F5344CB8AC3E}">
+        <p14:creationId xmlns:p14="http://schemas.microsoft.com/office/powerpoint/2010/main" val="2709972629"/>
+      </p:ext>
+    </p:extLst>
+  </p:cSld>
+  <p:clrMapOvr>
+    <a:masterClrMapping/>
+  </p:clrMapOvr>
+</p:sld>
+</file>
+
 <file path=ppt/slides/slide2.xml><?xml version="1.0" encoding="utf-8"?>
 <p:sld xmlns:a="http://schemas.openxmlformats.org/drawingml/2006/main" xmlns:r="http://schemas.openxmlformats.org/officeDocument/2006/relationships" xmlns:p="http://schemas.openxmlformats.org/presentationml/2006/main">
   <p:cSld>
@@ -15824,10 +16048,35 @@
         </p:nvSpPr>
         <p:spPr/>
         <p:txBody>
-          <a:bodyPr/>
+          <a:bodyPr>
+            <a:normAutofit/>
+          </a:bodyPr>
           <a:lstStyle/>
           <a:p>
-            <a:endParaRPr lang="en-GB" dirty="0"/>
+            <a:r>
+              <a:rPr lang="en-GB" sz="1600" dirty="0"/>
+              <a:t>Collectibles are placed throughout the level. </a:t>
+            </a:r>
+          </a:p>
+          <a:p>
+            <a:r>
+              <a:rPr lang="en-GB" sz="1600" dirty="0"/>
+              <a:t>There is health and a timer that can be collected.</a:t>
+            </a:r>
+          </a:p>
+          <a:p>
+            <a:r>
+              <a:rPr lang="en-GB" sz="1600" dirty="0"/>
+              <a:t>Values are set in player </a:t>
+            </a:r>
+            <a:r>
+              <a:rPr lang="en-GB" sz="1600" dirty="0" err="1"/>
+              <a:t>c++</a:t>
+            </a:r>
+            <a:r>
+              <a:rPr lang="en-GB" sz="1600" dirty="0"/>
+              <a:t> script which the collectibles use to add player health and time when they are collided with</a:t>
+            </a:r>
           </a:p>
         </p:txBody>
       </p:sp>

--- a/LavaEscapeSlides.pptx
+++ b/LavaEscapeSlides.pptx
@@ -2468,7 +2468,7 @@
           <a:p>
             <a:fld id="{3C04E684-10F4-4CC3-A0B9-F03AA7BE37CF}" type="datetimeFigureOut">
               <a:rPr lang="en-US" smtClean="0"/>
-              <a:t>12/19/2023</a:t>
+              <a:t>12/21/2023</a:t>
             </a:fld>
             <a:endParaRPr lang="en-US"/>
           </a:p>
@@ -4958,7 +4958,7 @@
           <a:p>
             <a:fld id="{3C04E684-10F4-4CC3-A0B9-F03AA7BE37CF}" type="datetimeFigureOut">
               <a:rPr lang="en-US" smtClean="0"/>
-              <a:t>12/19/2023</a:t>
+              <a:t>12/21/2023</a:t>
             </a:fld>
             <a:endParaRPr lang="en-US"/>
           </a:p>
@@ -5156,7 +5156,7 @@
           <a:p>
             <a:fld id="{3C04E684-10F4-4CC3-A0B9-F03AA7BE37CF}" type="datetimeFigureOut">
               <a:rPr lang="en-US" smtClean="0"/>
-              <a:t>12/19/2023</a:t>
+              <a:t>12/21/2023</a:t>
             </a:fld>
             <a:endParaRPr lang="en-US"/>
           </a:p>
@@ -5364,7 +5364,7 @@
           <a:p>
             <a:fld id="{3C04E684-10F4-4CC3-A0B9-F03AA7BE37CF}" type="datetimeFigureOut">
               <a:rPr lang="en-US" smtClean="0"/>
-              <a:t>12/19/2023</a:t>
+              <a:t>12/21/2023</a:t>
             </a:fld>
             <a:endParaRPr lang="en-US"/>
           </a:p>
@@ -6101,7 +6101,7 @@
           <a:p>
             <a:fld id="{3C04E684-10F4-4CC3-A0B9-F03AA7BE37CF}" type="datetimeFigureOut">
               <a:rPr lang="en-US" smtClean="0"/>
-              <a:t>12/19/2023</a:t>
+              <a:t>12/21/2023</a:t>
             </a:fld>
             <a:endParaRPr lang="en-US"/>
           </a:p>
@@ -6743,7 +6743,7 @@
           <a:p>
             <a:fld id="{3C04E684-10F4-4CC3-A0B9-F03AA7BE37CF}" type="datetimeFigureOut">
               <a:rPr lang="en-US" smtClean="0"/>
-              <a:t>12/19/2023</a:t>
+              <a:t>12/21/2023</a:t>
             </a:fld>
             <a:endParaRPr lang="en-US"/>
           </a:p>
@@ -7543,7 +7543,7 @@
           <a:p>
             <a:fld id="{3C04E684-10F4-4CC3-A0B9-F03AA7BE37CF}" type="datetimeFigureOut">
               <a:rPr lang="en-US" smtClean="0"/>
-              <a:t>12/19/2023</a:t>
+              <a:t>12/21/2023</a:t>
             </a:fld>
             <a:endParaRPr lang="en-US"/>
           </a:p>
@@ -8494,7 +8494,7 @@
           <a:p>
             <a:fld id="{3C04E684-10F4-4CC3-A0B9-F03AA7BE37CF}" type="datetimeFigureOut">
               <a:rPr lang="en-US" smtClean="0"/>
-              <a:t>12/19/2023</a:t>
+              <a:t>12/21/2023</a:t>
             </a:fld>
             <a:endParaRPr lang="en-US"/>
           </a:p>
@@ -10843,7 +10843,7 @@
           <a:p>
             <a:fld id="{3C04E684-10F4-4CC3-A0B9-F03AA7BE37CF}" type="datetimeFigureOut">
               <a:rPr lang="en-US" smtClean="0"/>
-              <a:t>12/19/2023</a:t>
+              <a:t>12/21/2023</a:t>
             </a:fld>
             <a:endParaRPr lang="en-US"/>
           </a:p>
@@ -10956,7 +10956,7 @@
           <a:p>
             <a:fld id="{3C04E684-10F4-4CC3-A0B9-F03AA7BE37CF}" type="datetimeFigureOut">
               <a:rPr lang="en-US" smtClean="0"/>
-              <a:t>12/19/2023</a:t>
+              <a:t>12/21/2023</a:t>
             </a:fld>
             <a:endParaRPr lang="en-US"/>
           </a:p>
@@ -11463,7 +11463,7 @@
           <a:p>
             <a:fld id="{3C04E684-10F4-4CC3-A0B9-F03AA7BE37CF}" type="datetimeFigureOut">
               <a:rPr lang="en-US" smtClean="0"/>
-              <a:t>12/19/2023</a:t>
+              <a:t>12/21/2023</a:t>
             </a:fld>
             <a:endParaRPr lang="en-US"/>
           </a:p>
@@ -12766,7 +12766,7 @@
           <a:p>
             <a:fld id="{3C04E684-10F4-4CC3-A0B9-F03AA7BE37CF}" type="datetimeFigureOut">
               <a:rPr lang="en-US" smtClean="0"/>
-              <a:t>12/19/2023</a:t>
+              <a:t>12/21/2023</a:t>
             </a:fld>
             <a:endParaRPr lang="en-US"/>
           </a:p>
@@ -13013,7 +13013,7 @@
           <a:p>
             <a:fld id="{3C04E684-10F4-4CC3-A0B9-F03AA7BE37CF}" type="datetimeFigureOut">
               <a:rPr lang="en-US" smtClean="0"/>
-              <a:t>12/19/2023</a:t>
+              <a:t>12/21/2023</a:t>
             </a:fld>
             <a:endParaRPr lang="en-US"/>
           </a:p>
@@ -14071,22 +14071,24 @@
           <a:lstStyle/>
           <a:p>
             <a:r>
-              <a:rPr lang="en-GB" b="1" dirty="0"/>
+              <a:rPr lang="en-GB" sz="1100" b="1" dirty="0"/>
               <a:t>References:</a:t>
             </a:r>
           </a:p>
           <a:p>
-            <a:r>
-              <a:rPr lang="en-GB" sz="1800" kern="100" dirty="0">
+            <a:endParaRPr lang="en-GB" sz="1100" b="1" dirty="0"/>
+          </a:p>
+          <a:p>
+            <a:r>
+              <a:rPr lang="en-GB" sz="1100" kern="100" dirty="0">
                 <a:effectLst/>
-                <a:latin typeface="Calibri" panose="020F0502020204030204" pitchFamily="34" charset="0"/>
                 <a:ea typeface="Calibri" panose="020F0502020204030204" pitchFamily="34" charset="0"/>
                 <a:cs typeface="Times New Roman" panose="02020603050405020304" pitchFamily="18" charset="0"/>
               </a:rPr>
               <a:t>-</a:t>
             </a:r>
             <a:r>
-              <a:rPr lang="en-GB" sz="1800" kern="100" dirty="0" err="1">
+              <a:rPr lang="en-GB" sz="1100" kern="100" dirty="0" err="1">
                 <a:effectLst/>
                 <a:ea typeface="Calibri" panose="020F0502020204030204" pitchFamily="34" charset="0"/>
                 <a:cs typeface="Times New Roman" panose="02020603050405020304" pitchFamily="18" charset="0"/>
@@ -14094,7 +14096,7 @@
               <a:t>Maybull</a:t>
             </a:r>
             <a:r>
-              <a:rPr lang="en-GB" sz="1800" kern="100" dirty="0">
+              <a:rPr lang="en-GB" sz="1100" kern="100" dirty="0">
                 <a:effectLst/>
                 <a:ea typeface="Calibri" panose="020F0502020204030204" pitchFamily="34" charset="0"/>
                 <a:cs typeface="Times New Roman" panose="02020603050405020304" pitchFamily="18" charset="0"/>
@@ -14104,11 +14106,11 @@
           </a:p>
           <a:p>
             <a:r>
-              <a:rPr lang="en-GB" dirty="0"/>
+              <a:rPr lang="en-GB" sz="1100" dirty="0"/>
               <a:t>-</a:t>
             </a:r>
             <a:r>
-              <a:rPr lang="en-GB" sz="1800" kern="100" dirty="0" err="1">
+              <a:rPr lang="en-GB" sz="1100" kern="100" dirty="0" err="1">
                 <a:effectLst/>
                 <a:ea typeface="Calibri" panose="020F0502020204030204" pitchFamily="34" charset="0"/>
                 <a:cs typeface="Times New Roman" panose="02020603050405020304" pitchFamily="18" charset="0"/>
@@ -14116,7 +14118,7 @@
               <a:t>Megascans</a:t>
             </a:r>
             <a:r>
-              <a:rPr lang="en-GB" sz="1800" kern="100" dirty="0">
+              <a:rPr lang="en-GB" sz="1100" kern="100" dirty="0">
                 <a:effectLst/>
                 <a:ea typeface="Calibri" panose="020F0502020204030204" pitchFamily="34" charset="0"/>
                 <a:cs typeface="Times New Roman" panose="02020603050405020304" pitchFamily="18" charset="0"/>
@@ -14124,7 +14126,7 @@
               <a:t>, ND, </a:t>
             </a:r>
             <a:r>
-              <a:rPr lang="en-GB" sz="1800" kern="100" dirty="0" err="1">
+              <a:rPr lang="en-GB" sz="1100" kern="100" dirty="0" err="1">
                 <a:effectLst/>
                 <a:ea typeface="Calibri" panose="020F0502020204030204" pitchFamily="34" charset="0"/>
                 <a:cs typeface="Times New Roman" panose="02020603050405020304" pitchFamily="18" charset="0"/>
@@ -14132,7 +14134,7 @@
               <a:t>Cobblestone_ulrlacifw</a:t>
             </a:r>
             <a:r>
-              <a:rPr lang="en-GB" sz="1800" kern="100" dirty="0">
+              <a:rPr lang="en-GB" sz="1100" kern="100" dirty="0">
                 <a:effectLst/>
                 <a:ea typeface="Calibri" panose="020F0502020204030204" pitchFamily="34" charset="0"/>
                 <a:cs typeface="Times New Roman" panose="02020603050405020304" pitchFamily="18" charset="0"/>
@@ -14140,7 +14142,7 @@
               <a:t>, Available at: </a:t>
             </a:r>
             <a:r>
-              <a:rPr lang="en-GB" sz="1800" u="sng" kern="100" dirty="0">
+              <a:rPr lang="en-GB" sz="1100" u="sng" kern="100" dirty="0">
                 <a:solidFill>
                   <a:srgbClr val="0000FF"/>
                 </a:solidFill>
@@ -14152,7 +14154,7 @@
               <a:t>https://quixel.com/megascans/home?category=surface&amp;search=Cobblestone_ulrlacifw&amp;assetId=ulrlacifw</a:t>
             </a:r>
             <a:r>
-              <a:rPr lang="en-GB" sz="1800" kern="100" dirty="0">
+              <a:rPr lang="en-GB" sz="1100" kern="100" dirty="0">
                 <a:effectLst/>
                 <a:ea typeface="Calibri" panose="020F0502020204030204" pitchFamily="34" charset="0"/>
                 <a:cs typeface="Times New Roman" panose="02020603050405020304" pitchFamily="18" charset="0"/>
@@ -14161,14 +14163,122 @@
             </a:r>
           </a:p>
           <a:p>
-            <a:r>
-              <a:rPr lang="en-GB" b="1" kern="100" dirty="0">
+            <a:endParaRPr lang="en-GB" sz="1100" kern="100" dirty="0">
+              <a:ea typeface="Calibri" panose="020F0502020204030204" pitchFamily="34" charset="0"/>
+              <a:cs typeface="Times New Roman" panose="02020603050405020304" pitchFamily="18" charset="0"/>
+            </a:endParaRPr>
+          </a:p>
+          <a:p>
+            <a:pPr>
+              <a:lnSpc>
+                <a:spcPct val="107000"/>
+              </a:lnSpc>
+              <a:spcAft>
+                <a:spcPts val="800"/>
+              </a:spcAft>
+            </a:pPr>
+            <a:r>
+              <a:rPr lang="en-GB" sz="1100" kern="100" dirty="0" err="1">
+                <a:effectLst/>
+                <a:ea typeface="Calibri" panose="020F0502020204030204" pitchFamily="34" charset="0"/>
+                <a:cs typeface="Times New Roman" panose="02020603050405020304" pitchFamily="18" charset="0"/>
+              </a:rPr>
+              <a:t>Maybull</a:t>
+            </a:r>
+            <a:r>
+              <a:rPr lang="en-GB" sz="1100" kern="100" dirty="0">
+                <a:effectLst/>
+                <a:ea typeface="Calibri" panose="020F0502020204030204" pitchFamily="34" charset="0"/>
+                <a:cs typeface="Times New Roman" panose="02020603050405020304" pitchFamily="18" charset="0"/>
+              </a:rPr>
+              <a:t> Studios, ND, Stylized Rock Pack, Available at: Epic Games Marketplace [Accessed 10/11/2023]</a:t>
+            </a:r>
+          </a:p>
+          <a:p>
+            <a:pPr>
+              <a:lnSpc>
+                <a:spcPct val="107000"/>
+              </a:lnSpc>
+              <a:spcAft>
+                <a:spcPts val="800"/>
+              </a:spcAft>
+            </a:pPr>
+            <a:r>
+              <a:rPr lang="en-GB" sz="1100" kern="100" dirty="0" err="1">
+                <a:effectLst/>
+                <a:ea typeface="Calibri" panose="020F0502020204030204" pitchFamily="34" charset="0"/>
+                <a:cs typeface="Times New Roman" panose="02020603050405020304" pitchFamily="18" charset="0"/>
+              </a:rPr>
+              <a:t>Megascans</a:t>
+            </a:r>
+            <a:r>
+              <a:rPr lang="en-GB" sz="1100" kern="100" dirty="0">
+                <a:effectLst/>
+                <a:ea typeface="Calibri" panose="020F0502020204030204" pitchFamily="34" charset="0"/>
+                <a:cs typeface="Times New Roman" panose="02020603050405020304" pitchFamily="18" charset="0"/>
+              </a:rPr>
+              <a:t>, ND, </a:t>
+            </a:r>
+            <a:r>
+              <a:rPr lang="en-GB" sz="1100" kern="100" dirty="0" err="1">
+                <a:effectLst/>
+                <a:ea typeface="Calibri" panose="020F0502020204030204" pitchFamily="34" charset="0"/>
+                <a:cs typeface="Times New Roman" panose="02020603050405020304" pitchFamily="18" charset="0"/>
+              </a:rPr>
+              <a:t>Cobblestone_ulrlacifw</a:t>
+            </a:r>
+            <a:r>
+              <a:rPr lang="en-GB" sz="1100" kern="100">
+                <a:effectLst/>
+                <a:ea typeface="Calibri" panose="020F0502020204030204" pitchFamily="34" charset="0"/>
+                <a:cs typeface="Times New Roman" panose="02020603050405020304" pitchFamily="18" charset="0"/>
+              </a:rPr>
+              <a:t>, Available at: </a:t>
+            </a:r>
+            <a:r>
+              <a:rPr lang="en-GB" sz="1100" u="sng" kern="100">
+                <a:solidFill>
+                  <a:srgbClr val="0000FF"/>
+                </a:solidFill>
+                <a:effectLst/>
+                <a:ea typeface="Calibri" panose="020F0502020204030204" pitchFamily="34" charset="0"/>
+                <a:cs typeface="Times New Roman" panose="02020603050405020304" pitchFamily="18" charset="0"/>
+                <a:hlinkClick r:id="rId2"/>
+              </a:rPr>
+              <a:t>https://quixel.com/megascans/home?category=surface&amp;search=Cobblestone_ulrlacifw&amp;assetId=ulrlacifw</a:t>
+            </a:r>
+            <a:r>
+              <a:rPr lang="en-GB" sz="1100" kern="100">
+                <a:effectLst/>
+                <a:ea typeface="Calibri" panose="020F0502020204030204" pitchFamily="34" charset="0"/>
+                <a:cs typeface="Times New Roman" panose="02020603050405020304" pitchFamily="18" charset="0"/>
+              </a:rPr>
+              <a:t> [Accessed 15/11/2023]</a:t>
+            </a:r>
+          </a:p>
+          <a:p>
+            <a:endParaRPr lang="en-GB" sz="1100" kern="100" dirty="0">
+              <a:effectLst/>
+              <a:ea typeface="Calibri" panose="020F0502020204030204" pitchFamily="34" charset="0"/>
+              <a:cs typeface="Times New Roman" panose="02020603050405020304" pitchFamily="18" charset="0"/>
+            </a:endParaRPr>
+          </a:p>
+          <a:p>
+            <a:endParaRPr lang="en-GB" sz="1100" kern="100" dirty="0">
+              <a:effectLst/>
+              <a:ea typeface="Calibri" panose="020F0502020204030204" pitchFamily="34" charset="0"/>
+              <a:cs typeface="Times New Roman" panose="02020603050405020304" pitchFamily="18" charset="0"/>
+            </a:endParaRPr>
+          </a:p>
+          <a:p>
+            <a:r>
+              <a:rPr lang="en-GB" sz="1100" b="1" kern="100" dirty="0">
                 <a:ea typeface="Calibri" panose="020F0502020204030204" pitchFamily="34" charset="0"/>
                 <a:cs typeface="Times New Roman" panose="02020603050405020304" pitchFamily="18" charset="0"/>
               </a:rPr>
               <a:t>AUDIO:</a:t>
             </a:r>
-            <a:endParaRPr lang="en-GB" sz="1800" b="1" kern="100" dirty="0">
+            <a:endParaRPr lang="en-GB" sz="1100" b="1" kern="100" dirty="0">
               <a:effectLst/>
               <a:ea typeface="Calibri" panose="020F0502020204030204" pitchFamily="34" charset="0"/>
               <a:cs typeface="Times New Roman" panose="02020603050405020304" pitchFamily="18" charset="0"/>
@@ -14176,23 +14286,23 @@
           </a:p>
           <a:p>
             <a:r>
-              <a:rPr lang="en-GB" dirty="0"/>
+              <a:rPr lang="en-GB" sz="1100" dirty="0"/>
               <a:t>-</a:t>
             </a:r>
             <a:r>
-              <a:rPr lang="en-GB" i="1" dirty="0">
+              <a:rPr lang="en-GB" sz="1100" i="1" dirty="0">
                 <a:effectLst/>
               </a:rPr>
               <a:t>Button-pressed | royalty-free music - </a:t>
             </a:r>
             <a:r>
-              <a:rPr lang="en-GB" i="1" dirty="0" err="1">
+              <a:rPr lang="en-GB" sz="1100" i="1" dirty="0" err="1">
                 <a:effectLst/>
               </a:rPr>
               <a:t>pixabay</a:t>
             </a:r>
             <a:r>
-              <a:rPr lang="en-GB" dirty="0">
+              <a:rPr lang="en-GB" sz="1100" dirty="0">
                 <a:effectLst/>
               </a:rPr>
               <a:t>. Available at: https://pixabay.com/sound-effects/button-pressed-38129/ (Accessed: 19 December 2023). </a:t>
@@ -14200,35 +14310,35 @@
           </a:p>
           <a:p>
             <a:r>
-              <a:rPr lang="en-GB" dirty="0"/>
+              <a:rPr lang="en-GB" sz="1100" dirty="0"/>
               <a:t>-</a:t>
             </a:r>
             <a:r>
-              <a:rPr lang="en-GB" i="1" dirty="0">
+              <a:rPr lang="en-GB" sz="1100" i="1" dirty="0">
                 <a:effectLst/>
               </a:rPr>
               <a:t>Labyrinth of Despair | royalty-free music - </a:t>
             </a:r>
             <a:r>
-              <a:rPr lang="en-GB" i="1" dirty="0" err="1">
+              <a:rPr lang="en-GB" sz="1100" i="1" dirty="0" err="1">
                 <a:effectLst/>
               </a:rPr>
               <a:t>pixabay</a:t>
             </a:r>
             <a:r>
-              <a:rPr lang="en-GB" dirty="0">
+              <a:rPr lang="en-GB" sz="1100" dirty="0">
                 <a:effectLst/>
               </a:rPr>
               <a:t>. Available at: https://pixabay.com/music/build-up-scenes-labyrinth-of-despair-166594/ (Accessed: 19 December 2023). </a:t>
             </a:r>
           </a:p>
           <a:p>
-            <a:endParaRPr lang="en-GB" dirty="0">
+            <a:endParaRPr lang="en-GB" sz="1100" dirty="0">
               <a:effectLst/>
             </a:endParaRPr>
           </a:p>
           <a:p>
-            <a:endParaRPr lang="en-GB" dirty="0"/>
+            <a:endParaRPr lang="en-GB" sz="1100" dirty="0"/>
           </a:p>
           <a:p>
             <a:endParaRPr lang="en-GB" dirty="0"/>

--- a/LavaEscapeSlides.pptx
+++ b/LavaEscapeSlides.pptx
@@ -10,8 +10,8 @@
     <p:sldId id="257" r:id="rId4"/>
     <p:sldId id="261" r:id="rId5"/>
     <p:sldId id="263" r:id="rId6"/>
-    <p:sldId id="258" r:id="rId7"/>
-    <p:sldId id="259" r:id="rId8"/>
+    <p:sldId id="259" r:id="rId7"/>
+    <p:sldId id="258" r:id="rId8"/>
     <p:sldId id="260" r:id="rId9"/>
     <p:sldId id="262" r:id="rId10"/>
     <p:sldId id="265" r:id="rId11"/>
@@ -14006,8 +14006,12 @@
           </a:p>
           <a:p>
             <a:r>
+              <a:rPr lang="en-GB"/>
+              <a:t>Dan </a:t>
+            </a:r>
+            <a:r>
               <a:rPr lang="en-GB" dirty="0"/>
-              <a:t>Daniel LUBEK</a:t>
+              <a:t>LUBEK</a:t>
             </a:r>
           </a:p>
         </p:txBody>
@@ -14228,7 +14232,7 @@
               <a:t>Cobblestone_ulrlacifw</a:t>
             </a:r>
             <a:r>
-              <a:rPr lang="en-GB" sz="1100" kern="100">
+              <a:rPr lang="en-GB" sz="1100" kern="100" dirty="0">
                 <a:effectLst/>
                 <a:ea typeface="Calibri" panose="020F0502020204030204" pitchFamily="34" charset="0"/>
                 <a:cs typeface="Times New Roman" panose="02020603050405020304" pitchFamily="18" charset="0"/>
@@ -14236,7 +14240,7 @@
               <a:t>, Available at: </a:t>
             </a:r>
             <a:r>
-              <a:rPr lang="en-GB" sz="1100" u="sng" kern="100">
+              <a:rPr lang="en-GB" sz="1100" u="sng" kern="100" dirty="0">
                 <a:solidFill>
                   <a:srgbClr val="0000FF"/>
                 </a:solidFill>
@@ -14248,13 +14252,144 @@
               <a:t>https://quixel.com/megascans/home?category=surface&amp;search=Cobblestone_ulrlacifw&amp;assetId=ulrlacifw</a:t>
             </a:r>
             <a:r>
-              <a:rPr lang="en-GB" sz="1100" kern="100">
+              <a:rPr lang="en-GB" sz="1100" kern="100" dirty="0">
                 <a:effectLst/>
                 <a:ea typeface="Calibri" panose="020F0502020204030204" pitchFamily="34" charset="0"/>
                 <a:cs typeface="Times New Roman" panose="02020603050405020304" pitchFamily="18" charset="0"/>
               </a:rPr>
               <a:t> [Accessed 15/11/2023]</a:t>
             </a:r>
+          </a:p>
+          <a:p>
+            <a:pPr>
+              <a:lnSpc>
+                <a:spcPct val="107000"/>
+              </a:lnSpc>
+              <a:spcAft>
+                <a:spcPts val="800"/>
+              </a:spcAft>
+            </a:pPr>
+            <a:endParaRPr lang="en-GB" sz="1100" kern="100" dirty="0">
+              <a:ea typeface="Calibri" panose="020F0502020204030204" pitchFamily="34" charset="0"/>
+              <a:cs typeface="Times New Roman" panose="02020603050405020304" pitchFamily="18" charset="0"/>
+            </a:endParaRPr>
+          </a:p>
+          <a:p>
+            <a:pPr>
+              <a:lnSpc>
+                <a:spcPct val="107000"/>
+              </a:lnSpc>
+              <a:spcAft>
+                <a:spcPts val="800"/>
+              </a:spcAft>
+            </a:pPr>
+            <a:r>
+              <a:rPr lang="en-GB" sz="1100" kern="100" dirty="0" err="1">
+                <a:ea typeface="Calibri" panose="020F0502020204030204" pitchFamily="34" charset="0"/>
+                <a:cs typeface="Times New Roman" panose="02020603050405020304" pitchFamily="18" charset="0"/>
+              </a:rPr>
+              <a:t>CGResident</a:t>
+            </a:r>
+            <a:r>
+              <a:rPr lang="en-GB" sz="1100" kern="100" dirty="0">
+                <a:ea typeface="Calibri" panose="020F0502020204030204" pitchFamily="34" charset="0"/>
+                <a:cs typeface="Times New Roman" panose="02020603050405020304" pitchFamily="18" charset="0"/>
+              </a:rPr>
+              <a:t> at </a:t>
+            </a:r>
+            <a:r>
+              <a:rPr lang="en-GB" sz="1100" kern="100" dirty="0" err="1">
+                <a:ea typeface="Calibri" panose="020F0502020204030204" pitchFamily="34" charset="0"/>
+                <a:cs typeface="Times New Roman" panose="02020603050405020304" pitchFamily="18" charset="0"/>
+              </a:rPr>
+              <a:t>cgtrader</a:t>
+            </a:r>
+            <a:r>
+              <a:rPr lang="en-GB" sz="1100" kern="100" dirty="0">
+                <a:ea typeface="Calibri" panose="020F0502020204030204" pitchFamily="34" charset="0"/>
+                <a:cs typeface="Times New Roman" panose="02020603050405020304" pitchFamily="18" charset="0"/>
+              </a:rPr>
+              <a:t>, </a:t>
+            </a:r>
+            <a:r>
+              <a:rPr lang="en-GB" sz="1100" kern="100" dirty="0" err="1">
+                <a:ea typeface="Calibri" panose="020F0502020204030204" pitchFamily="34" charset="0"/>
+                <a:cs typeface="Times New Roman" panose="02020603050405020304" pitchFamily="18" charset="0"/>
+              </a:rPr>
+              <a:t>GameReady</a:t>
+            </a:r>
+            <a:r>
+              <a:rPr lang="en-GB" sz="1100" kern="100" dirty="0">
+                <a:ea typeface="Calibri" panose="020F0502020204030204" pitchFamily="34" charset="0"/>
+                <a:cs typeface="Times New Roman" panose="02020603050405020304" pitchFamily="18" charset="0"/>
+              </a:rPr>
+              <a:t> Stylized Wooden Crate. Available at: </a:t>
+            </a:r>
+            <a:r>
+              <a:rPr lang="en-GB" sz="1100" kern="100" dirty="0">
+                <a:ea typeface="Calibri" panose="020F0502020204030204" pitchFamily="34" charset="0"/>
+                <a:cs typeface="Times New Roman" panose="02020603050405020304" pitchFamily="18" charset="0"/>
+                <a:hlinkClick r:id="rId3"/>
+              </a:rPr>
+              <a:t>https://www.cgtrader.com/free-3d-models/furniture/outdoor-furniture/gameready-stylized-wooden-crate</a:t>
+            </a:r>
+            <a:endParaRPr lang="en-GB" sz="1100" kern="100" dirty="0">
+              <a:ea typeface="Calibri" panose="020F0502020204030204" pitchFamily="34" charset="0"/>
+              <a:cs typeface="Times New Roman" panose="02020603050405020304" pitchFamily="18" charset="0"/>
+            </a:endParaRPr>
+          </a:p>
+          <a:p>
+            <a:pPr>
+              <a:lnSpc>
+                <a:spcPct val="107000"/>
+              </a:lnSpc>
+              <a:spcAft>
+                <a:spcPts val="800"/>
+              </a:spcAft>
+            </a:pPr>
+            <a:r>
+              <a:rPr lang="en-GB" sz="1100" kern="100" dirty="0" err="1">
+                <a:effectLst/>
+                <a:ea typeface="Calibri" panose="020F0502020204030204" pitchFamily="34" charset="0"/>
+                <a:cs typeface="Times New Roman" panose="02020603050405020304" pitchFamily="18" charset="0"/>
+              </a:rPr>
+              <a:t>Ovee</a:t>
+            </a:r>
+            <a:r>
+              <a:rPr lang="en-GB" sz="1100" kern="100" dirty="0">
+                <a:effectLst/>
+                <a:ea typeface="Calibri" panose="020F0502020204030204" pitchFamily="34" charset="0"/>
+                <a:cs typeface="Times New Roman" panose="02020603050405020304" pitchFamily="18" charset="0"/>
+              </a:rPr>
+              <a:t> at </a:t>
+            </a:r>
+            <a:r>
+              <a:rPr lang="en-GB" sz="1100" kern="100" dirty="0" err="1">
+                <a:effectLst/>
+                <a:ea typeface="Calibri" panose="020F0502020204030204" pitchFamily="34" charset="0"/>
+                <a:cs typeface="Times New Roman" panose="02020603050405020304" pitchFamily="18" charset="0"/>
+              </a:rPr>
+              <a:t>cgtrader</a:t>
+            </a:r>
+            <a:r>
+              <a:rPr lang="en-GB" sz="1100" kern="100" dirty="0">
+                <a:ea typeface="Calibri" panose="020F0502020204030204" pitchFamily="34" charset="0"/>
+                <a:cs typeface="Times New Roman" panose="02020603050405020304" pitchFamily="18" charset="0"/>
+              </a:rPr>
+              <a:t>, Sci-fi Gun. Available at: </a:t>
+            </a:r>
+            <a:r>
+              <a:rPr lang="en-GB" sz="1100" kern="100" dirty="0">
+                <a:ea typeface="Calibri" panose="020F0502020204030204" pitchFamily="34" charset="0"/>
+                <a:cs typeface="Times New Roman" panose="02020603050405020304" pitchFamily="18" charset="0"/>
+                <a:hlinkClick r:id="rId4"/>
+              </a:rPr>
+              <a:t>https://www.cgtrader.com/free-3d-models/military/gun/sci-fi-gun-db6d76d6-01d1-48fa-b796-42ba5f188421</a:t>
+            </a:r>
+            <a:endParaRPr lang="en-GB" sz="1100" kern="100" dirty="0">
+              <a:ea typeface="Calibri" panose="020F0502020204030204" pitchFamily="34" charset="0"/>
+              <a:cs typeface="Times New Roman" panose="02020603050405020304" pitchFamily="18" charset="0"/>
+            </a:endParaRPr>
           </a:p>
           <a:p>
             <a:endParaRPr lang="en-GB" sz="1100" kern="100" dirty="0">
@@ -14475,13 +14610,20 @@
           <a:p>
             <a:r>
               <a:rPr lang="en-GB" sz="1800" dirty="0"/>
-              <a:t>Cheat Menu (Z key to damage X Key </a:t>
-            </a:r>
-            <a:r>
-              <a:rPr lang="en-GB" sz="1800"/>
-              <a:t>to heal)</a:t>
-            </a:r>
-            <a:endParaRPr lang="en-GB" sz="1800" dirty="0"/>
+              <a:t>Cheat Menu (Z key to damage X Key to heal)</a:t>
+            </a:r>
+          </a:p>
+          <a:p>
+            <a:r>
+              <a:rPr lang="en-GB" sz="1800" dirty="0"/>
+              <a:t>Shooting</a:t>
+            </a:r>
+          </a:p>
+          <a:p>
+            <a:r>
+              <a:rPr lang="en-GB" sz="1800" dirty="0"/>
+              <a:t>Destroyable objects</a:t>
+            </a:r>
           </a:p>
           <a:p>
             <a:endParaRPr lang="en-GB" dirty="0"/>
@@ -15818,93 +15960,6 @@
           <p:cNvPr id="2" name="Title 1">
             <a:extLst>
               <a:ext uri="{FF2B5EF4-FFF2-40B4-BE49-F238E27FC236}">
-                <a16:creationId xmlns:a16="http://schemas.microsoft.com/office/drawing/2014/main" id="{E3F4B24F-2560-28CB-2DC4-9FE242AD8AA6}"/>
-              </a:ext>
-            </a:extLst>
-          </p:cNvPr>
-          <p:cNvSpPr>
-            <a:spLocks noGrp="1"/>
-          </p:cNvSpPr>
-          <p:nvPr>
-            <p:ph type="title"/>
-          </p:nvPr>
-        </p:nvSpPr>
-        <p:spPr/>
-        <p:txBody>
-          <a:bodyPr/>
-          <a:lstStyle/>
-          <a:p>
-            <a:r>
-              <a:rPr lang="en-GB" i="0" dirty="0">
-                <a:latin typeface="ADLaM Display" panose="02010000000000000000" pitchFamily="2" charset="0"/>
-                <a:ea typeface="ADLaM Display" panose="02010000000000000000" pitchFamily="2" charset="0"/>
-                <a:cs typeface="ADLaM Display" panose="02010000000000000000" pitchFamily="2" charset="0"/>
-              </a:rPr>
-              <a:t>Shooting</a:t>
-            </a:r>
-          </a:p>
-        </p:txBody>
-      </p:sp>
-      <p:sp>
-        <p:nvSpPr>
-          <p:cNvPr id="3" name="Content Placeholder 2">
-            <a:extLst>
-              <a:ext uri="{FF2B5EF4-FFF2-40B4-BE49-F238E27FC236}">
-                <a16:creationId xmlns:a16="http://schemas.microsoft.com/office/drawing/2014/main" id="{1FCC4565-AF9E-02FF-9ECE-1E1AD05B9FCD}"/>
-              </a:ext>
-            </a:extLst>
-          </p:cNvPr>
-          <p:cNvSpPr>
-            <a:spLocks noGrp="1"/>
-          </p:cNvSpPr>
-          <p:nvPr>
-            <p:ph idx="1"/>
-          </p:nvPr>
-        </p:nvSpPr>
-        <p:spPr/>
-        <p:txBody>
-          <a:bodyPr/>
-          <a:lstStyle/>
-          <a:p>
-            <a:endParaRPr lang="en-GB"/>
-          </a:p>
-        </p:txBody>
-      </p:sp>
-    </p:spTree>
-    <p:extLst>
-      <p:ext uri="{BB962C8B-B14F-4D97-AF65-F5344CB8AC3E}">
-        <p14:creationId xmlns:p14="http://schemas.microsoft.com/office/powerpoint/2010/main" val="1830557660"/>
-      </p:ext>
-    </p:extLst>
-  </p:cSld>
-  <p:clrMapOvr>
-    <a:masterClrMapping/>
-  </p:clrMapOvr>
-</p:sld>
-</file>
-
-<file path=ppt/slides/slide7.xml><?xml version="1.0" encoding="utf-8"?>
-<p:sld xmlns:a="http://schemas.openxmlformats.org/drawingml/2006/main" xmlns:r="http://schemas.openxmlformats.org/officeDocument/2006/relationships" xmlns:p="http://schemas.openxmlformats.org/presentationml/2006/main">
-  <p:cSld>
-    <p:spTree>
-      <p:nvGrpSpPr>
-        <p:cNvPr id="1" name=""/>
-        <p:cNvGrpSpPr/>
-        <p:nvPr/>
-      </p:nvGrpSpPr>
-      <p:grpSpPr>
-        <a:xfrm>
-          <a:off x="0" y="0"/>
-          <a:ext cx="0" cy="0"/>
-          <a:chOff x="0" y="0"/>
-          <a:chExt cx="0" cy="0"/>
-        </a:xfrm>
-      </p:grpSpPr>
-      <p:sp>
-        <p:nvSpPr>
-          <p:cNvPr id="2" name="Title 1">
-            <a:extLst>
-              <a:ext uri="{FF2B5EF4-FFF2-40B4-BE49-F238E27FC236}">
                 <a16:creationId xmlns:a16="http://schemas.microsoft.com/office/drawing/2014/main" id="{55CC2876-8A2F-7486-8EBC-A5228158C3E8}"/>
               </a:ext>
             </a:extLst>
@@ -15927,7 +15982,7 @@
                 <a:ea typeface="ADLaM Display" panose="02010000000000000000" pitchFamily="2" charset="0"/>
                 <a:cs typeface="ADLaM Display" panose="02010000000000000000" pitchFamily="2" charset="0"/>
               </a:rPr>
-              <a:t>Enemies</a:t>
+              <a:t>Obstacles cont.</a:t>
             </a:r>
           </a:p>
         </p:txBody>
@@ -15948,7 +16003,12 @@
             <p:ph idx="1"/>
           </p:nvPr>
         </p:nvSpPr>
-        <p:spPr/>
+        <p:spPr>
+          <a:xfrm>
+            <a:off x="838200" y="2197798"/>
+            <a:ext cx="10515600" cy="3809698"/>
+          </a:xfrm>
+        </p:spPr>
         <p:txBody>
           <a:bodyPr/>
           <a:lstStyle/>
@@ -16084,6 +16144,225 @@
     <p:extLst>
       <p:ext uri="{BB962C8B-B14F-4D97-AF65-F5344CB8AC3E}">
         <p14:creationId xmlns:p14="http://schemas.microsoft.com/office/powerpoint/2010/main" val="2934764093"/>
+      </p:ext>
+    </p:extLst>
+  </p:cSld>
+  <p:clrMapOvr>
+    <a:masterClrMapping/>
+  </p:clrMapOvr>
+</p:sld>
+</file>
+
+<file path=ppt/slides/slide7.xml><?xml version="1.0" encoding="utf-8"?>
+<p:sld xmlns:a="http://schemas.openxmlformats.org/drawingml/2006/main" xmlns:r="http://schemas.openxmlformats.org/officeDocument/2006/relationships" xmlns:p="http://schemas.openxmlformats.org/presentationml/2006/main">
+  <p:cSld>
+    <p:spTree>
+      <p:nvGrpSpPr>
+        <p:cNvPr id="1" name=""/>
+        <p:cNvGrpSpPr/>
+        <p:nvPr/>
+      </p:nvGrpSpPr>
+      <p:grpSpPr>
+        <a:xfrm>
+          <a:off x="0" y="0"/>
+          <a:ext cx="0" cy="0"/>
+          <a:chOff x="0" y="0"/>
+          <a:chExt cx="0" cy="0"/>
+        </a:xfrm>
+      </p:grpSpPr>
+      <p:sp>
+        <p:nvSpPr>
+          <p:cNvPr id="2" name="Title 1">
+            <a:extLst>
+              <a:ext uri="{FF2B5EF4-FFF2-40B4-BE49-F238E27FC236}">
+                <a16:creationId xmlns:a16="http://schemas.microsoft.com/office/drawing/2014/main" id="{E3F4B24F-2560-28CB-2DC4-9FE242AD8AA6}"/>
+              </a:ext>
+            </a:extLst>
+          </p:cNvPr>
+          <p:cNvSpPr>
+            <a:spLocks noGrp="1"/>
+          </p:cNvSpPr>
+          <p:nvPr>
+            <p:ph type="title"/>
+          </p:nvPr>
+        </p:nvSpPr>
+        <p:spPr/>
+        <p:txBody>
+          <a:bodyPr/>
+          <a:lstStyle/>
+          <a:p>
+            <a:r>
+              <a:rPr lang="en-GB" i="0" dirty="0">
+                <a:latin typeface="ADLaM Display" panose="02010000000000000000" pitchFamily="2" charset="0"/>
+                <a:ea typeface="ADLaM Display" panose="02010000000000000000" pitchFamily="2" charset="0"/>
+                <a:cs typeface="ADLaM Display" panose="02010000000000000000" pitchFamily="2" charset="0"/>
+              </a:rPr>
+              <a:t>Shooting</a:t>
+            </a:r>
+          </a:p>
+        </p:txBody>
+      </p:sp>
+      <p:sp>
+        <p:nvSpPr>
+          <p:cNvPr id="3" name="Content Placeholder 2">
+            <a:extLst>
+              <a:ext uri="{FF2B5EF4-FFF2-40B4-BE49-F238E27FC236}">
+                <a16:creationId xmlns:a16="http://schemas.microsoft.com/office/drawing/2014/main" id="{1FCC4565-AF9E-02FF-9ECE-1E1AD05B9FCD}"/>
+              </a:ext>
+            </a:extLst>
+          </p:cNvPr>
+          <p:cNvSpPr>
+            <a:spLocks noGrp="1"/>
+          </p:cNvSpPr>
+          <p:nvPr>
+            <p:ph idx="1"/>
+          </p:nvPr>
+        </p:nvSpPr>
+        <p:spPr/>
+        <p:txBody>
+          <a:bodyPr/>
+          <a:lstStyle/>
+          <a:p>
+            <a:r>
+              <a:rPr lang="en-GB" sz="1400" dirty="0"/>
+              <a:t>Clicking left mouse button will fire a projectile / beam which will be destroyed on impact with anything.</a:t>
+            </a:r>
+          </a:p>
+          <a:p>
+            <a:r>
+              <a:rPr lang="en-GB" sz="1400" dirty="0"/>
+              <a:t>If colliding with a wooden box or disappearing platform in the level, these objects will also be destroyed.</a:t>
+            </a:r>
+          </a:p>
+          <a:p>
+            <a:endParaRPr lang="en-GB" sz="1400" dirty="0"/>
+          </a:p>
+          <a:p>
+            <a:endParaRPr lang="en-GB" sz="1400" dirty="0"/>
+          </a:p>
+          <a:p>
+            <a:endParaRPr lang="en-GB" sz="1400" dirty="0"/>
+          </a:p>
+          <a:p>
+            <a:r>
+              <a:rPr lang="en-GB" sz="1400" dirty="0"/>
+              <a:t>Makes use of a Niagara Particle System to have a laser beam effect following the projectile.</a:t>
+            </a:r>
+          </a:p>
+          <a:p>
+            <a:endParaRPr lang="en-GB" sz="1400" dirty="0"/>
+          </a:p>
+          <a:p>
+            <a:endParaRPr lang="en-GB" sz="1400" dirty="0"/>
+          </a:p>
+          <a:p>
+            <a:endParaRPr lang="en-GB" sz="1400" dirty="0"/>
+          </a:p>
+          <a:p>
+            <a:r>
+              <a:rPr lang="en-GB" sz="1400" dirty="0"/>
+              <a:t>Gun has a max of 10 shots and ammo recharges after 3 seconds (for each shot).</a:t>
+            </a:r>
+          </a:p>
+          <a:p>
+            <a:endParaRPr lang="en-GB" dirty="0"/>
+          </a:p>
+        </p:txBody>
+      </p:sp>
+      <p:pic>
+        <p:nvPicPr>
+          <p:cNvPr id="5" name="Picture 4">
+            <a:extLst>
+              <a:ext uri="{FF2B5EF4-FFF2-40B4-BE49-F238E27FC236}">
+                <a16:creationId xmlns:a16="http://schemas.microsoft.com/office/drawing/2014/main" id="{2DF5756B-3107-B207-317A-D3CD6274654B}"/>
+              </a:ext>
+            </a:extLst>
+          </p:cNvPr>
+          <p:cNvPicPr>
+            <a:picLocks noChangeAspect="1"/>
+          </p:cNvPicPr>
+          <p:nvPr/>
+        </p:nvPicPr>
+        <p:blipFill>
+          <a:blip r:embed="rId2"/>
+          <a:stretch>
+            <a:fillRect/>
+          </a:stretch>
+        </p:blipFill>
+        <p:spPr>
+          <a:xfrm>
+            <a:off x="4777212" y="4091940"/>
+            <a:ext cx="6576588" cy="965299"/>
+          </a:xfrm>
+          <a:prstGeom prst="rect">
+            <a:avLst/>
+          </a:prstGeom>
+        </p:spPr>
+      </p:pic>
+      <p:pic>
+        <p:nvPicPr>
+          <p:cNvPr id="7" name="Picture 6">
+            <a:extLst>
+              <a:ext uri="{FF2B5EF4-FFF2-40B4-BE49-F238E27FC236}">
+                <a16:creationId xmlns:a16="http://schemas.microsoft.com/office/drawing/2014/main" id="{F6BA22B1-74BF-5A73-4E3E-E9EB12B7113A}"/>
+              </a:ext>
+            </a:extLst>
+          </p:cNvPr>
+          <p:cNvPicPr>
+            <a:picLocks noChangeAspect="1"/>
+          </p:cNvPicPr>
+          <p:nvPr/>
+        </p:nvPicPr>
+        <p:blipFill>
+          <a:blip r:embed="rId3"/>
+          <a:stretch>
+            <a:fillRect/>
+          </a:stretch>
+        </p:blipFill>
+        <p:spPr>
+          <a:xfrm>
+            <a:off x="3105339" y="2697309"/>
+            <a:ext cx="8248461" cy="925503"/>
+          </a:xfrm>
+          <a:prstGeom prst="rect">
+            <a:avLst/>
+          </a:prstGeom>
+        </p:spPr>
+      </p:pic>
+      <p:pic>
+        <p:nvPicPr>
+          <p:cNvPr id="9" name="Picture 8">
+            <a:extLst>
+              <a:ext uri="{FF2B5EF4-FFF2-40B4-BE49-F238E27FC236}">
+                <a16:creationId xmlns:a16="http://schemas.microsoft.com/office/drawing/2014/main" id="{2AC38E42-CE05-0479-BFCA-1B5ED7726FD5}"/>
+              </a:ext>
+            </a:extLst>
+          </p:cNvPr>
+          <p:cNvPicPr>
+            <a:picLocks noChangeAspect="1"/>
+          </p:cNvPicPr>
+          <p:nvPr/>
+        </p:nvPicPr>
+        <p:blipFill>
+          <a:blip r:embed="rId4"/>
+          <a:stretch>
+            <a:fillRect/>
+          </a:stretch>
+        </p:blipFill>
+        <p:spPr>
+          <a:xfrm>
+            <a:off x="3667125" y="5458093"/>
+            <a:ext cx="7686675" cy="847725"/>
+          </a:xfrm>
+          <a:prstGeom prst="rect">
+            <a:avLst/>
+          </a:prstGeom>
+        </p:spPr>
+      </p:pic>
+    </p:spTree>
+    <p:extLst>
+      <p:ext uri="{BB962C8B-B14F-4D97-AF65-F5344CB8AC3E}">
+        <p14:creationId xmlns:p14="http://schemas.microsoft.com/office/powerpoint/2010/main" val="1830557660"/>
       </p:ext>
     </p:extLst>
   </p:cSld>
@@ -16165,7 +16444,13 @@
           <a:p>
             <a:r>
               <a:rPr lang="en-GB" sz="1600" dirty="0"/>
-              <a:t>Collectibles are placed throughout the level. </a:t>
+              <a:t>Collectibles are placed throughout the level and hidden by a destroyable box.</a:t>
+            </a:r>
+          </a:p>
+          <a:p>
+            <a:r>
+              <a:rPr lang="en-GB" sz="1600" dirty="0"/>
+              <a:t>Destroying the box allows the player to pick up the collectibles. </a:t>
             </a:r>
           </a:p>
           <a:p>

--- a/LavaEscapeSlides.pptx
+++ b/LavaEscapeSlides.pptx
@@ -14444,6 +14444,11 @@
             </a:r>
           </a:p>
           <a:p>
+            <a:endParaRPr lang="en-GB" sz="1100" dirty="0">
+              <a:effectLst/>
+            </a:endParaRPr>
+          </a:p>
+          <a:p>
             <a:r>
               <a:rPr lang="en-GB" sz="1100" dirty="0"/>
               <a:t>-</a:t>
@@ -14465,6 +14470,124 @@
                 <a:effectLst/>
               </a:rPr>
               <a:t>. Available at: https://pixabay.com/music/build-up-scenes-labyrinth-of-despair-166594/ (Accessed: 19 December 2023). </a:t>
+            </a:r>
+          </a:p>
+          <a:p>
+            <a:endParaRPr lang="en-GB" sz="1100" dirty="0">
+              <a:effectLst/>
+            </a:endParaRPr>
+          </a:p>
+          <a:p>
+            <a:r>
+              <a:rPr lang="en-GB" sz="1100" dirty="0"/>
+              <a:t>-</a:t>
+            </a:r>
+            <a:r>
+              <a:rPr lang="en-GB" sz="1100" i="1" dirty="0">
+                <a:effectLst/>
+              </a:rPr>
+              <a:t>Blaster 2 | royalty-free music - </a:t>
+            </a:r>
+            <a:r>
+              <a:rPr lang="en-GB" sz="1100" i="1" dirty="0" err="1">
+                <a:effectLst/>
+              </a:rPr>
+              <a:t>pixabay</a:t>
+            </a:r>
+            <a:r>
+              <a:rPr lang="en-GB" sz="1100" dirty="0">
+                <a:effectLst/>
+              </a:rPr>
+              <a:t>. Available at: https://pixabay.com/sound-effects/blaster-2-81267/ (Accessed: 21 December 2023). </a:t>
+            </a:r>
+          </a:p>
+          <a:p>
+            <a:endParaRPr lang="en-GB" sz="1100" dirty="0">
+              <a:effectLst/>
+            </a:endParaRPr>
+          </a:p>
+          <a:p>
+            <a:r>
+              <a:rPr lang="en-GB" sz="1100" dirty="0"/>
+              <a:t>-</a:t>
+            </a:r>
+            <a:r>
+              <a:rPr lang="en-GB" sz="1100" dirty="0">
+                <a:effectLst/>
+              </a:rPr>
+              <a:t>(</a:t>
+            </a:r>
+            <a:r>
+              <a:rPr lang="en-GB" sz="1100" i="1" dirty="0">
+                <a:effectLst/>
+              </a:rPr>
+              <a:t>Health pickup | royalty-free music - </a:t>
+            </a:r>
+            <a:r>
+              <a:rPr lang="en-GB" sz="1100" i="1" dirty="0" err="1">
+                <a:effectLst/>
+              </a:rPr>
+              <a:t>pixabay</a:t>
+            </a:r>
+            <a:r>
+              <a:rPr lang="en-GB" sz="1100" dirty="0">
+                <a:effectLst/>
+              </a:rPr>
+              <a:t>. Available at: https://pixabay.com/sound-effects/health-pickup-6860/ (Accessed: 21 December 2023). </a:t>
+            </a:r>
+          </a:p>
+          <a:p>
+            <a:endParaRPr lang="en-GB" sz="1100" dirty="0"/>
+          </a:p>
+          <a:p>
+            <a:r>
+              <a:rPr lang="en-GB" sz="1100" i="1" dirty="0">
+                <a:effectLst/>
+              </a:rPr>
+              <a:t>-Collect | royalty free music - </a:t>
+            </a:r>
+            <a:r>
+              <a:rPr lang="en-GB" sz="1100" i="1" dirty="0" err="1">
+                <a:effectLst/>
+              </a:rPr>
+              <a:t>pixabay</a:t>
+            </a:r>
+            <a:r>
+              <a:rPr lang="en-GB" sz="1100" dirty="0">
+                <a:effectLst/>
+              </a:rPr>
+              <a:t>. Available at: https://pixabay.com/sound-effects/collect-5930/ (Accessed: 21 December 2023). </a:t>
+            </a:r>
+          </a:p>
+          <a:p>
+            <a:endParaRPr lang="en-GB" sz="1100" dirty="0">
+              <a:effectLst/>
+            </a:endParaRPr>
+          </a:p>
+          <a:p>
+            <a:r>
+              <a:rPr lang="en-GB" sz="1100" i="1" dirty="0">
+                <a:effectLst/>
+              </a:rPr>
+              <a:t>-Download free copyright music</a:t>
+            </a:r>
+            <a:r>
+              <a:rPr lang="en-GB" sz="1100" dirty="0">
+                <a:effectLst/>
+              </a:rPr>
+              <a:t> (2023) </a:t>
+            </a:r>
+            <a:r>
+              <a:rPr lang="en-GB" sz="1100" i="1" dirty="0" err="1">
+                <a:effectLst/>
+              </a:rPr>
+              <a:t>Chosic</a:t>
+            </a:r>
+            <a:r>
+              <a:rPr lang="en-GB" sz="1100" dirty="0">
+                <a:effectLst/>
+              </a:rPr>
+              <a:t>. Available at: https://www.chosic.com/download-audio/45403/ (Accessed: 21 December 2023). </a:t>
             </a:r>
           </a:p>
           <a:p>
@@ -16132,8 +16255,8 @@
         </p:blipFill>
         <p:spPr>
           <a:xfrm>
-            <a:off x="5804546" y="1293976"/>
-            <a:ext cx="6252001" cy="1807644"/>
+            <a:off x="2968486" y="4329404"/>
+            <a:ext cx="7557841" cy="2185202"/>
           </a:xfrm>
           <a:prstGeom prst="rect">
             <a:avLst/>
@@ -16471,6 +16594,136 @@
             <a:r>
               <a:rPr lang="en-GB" sz="1600" dirty="0"/>
               <a:t> script which the collectibles use to add player health and time when they are collided with</a:t>
+            </a:r>
+          </a:p>
+        </p:txBody>
+      </p:sp>
+      <p:pic>
+        <p:nvPicPr>
+          <p:cNvPr id="5" name="Picture 4">
+            <a:extLst>
+              <a:ext uri="{FF2B5EF4-FFF2-40B4-BE49-F238E27FC236}">
+                <a16:creationId xmlns:a16="http://schemas.microsoft.com/office/drawing/2014/main" id="{686F160E-305A-A37B-3724-73CF343C73E8}"/>
+              </a:ext>
+            </a:extLst>
+          </p:cNvPr>
+          <p:cNvPicPr>
+            <a:picLocks noChangeAspect="1"/>
+          </p:cNvPicPr>
+          <p:nvPr/>
+        </p:nvPicPr>
+        <p:blipFill>
+          <a:blip r:embed="rId2"/>
+          <a:stretch>
+            <a:fillRect/>
+          </a:stretch>
+        </p:blipFill>
+        <p:spPr>
+          <a:xfrm>
+            <a:off x="4198829" y="313381"/>
+            <a:ext cx="5006875" cy="1698299"/>
+          </a:xfrm>
+          <a:prstGeom prst="rect">
+            <a:avLst/>
+          </a:prstGeom>
+        </p:spPr>
+      </p:pic>
+      <p:pic>
+        <p:nvPicPr>
+          <p:cNvPr id="7" name="Picture 6">
+            <a:extLst>
+              <a:ext uri="{FF2B5EF4-FFF2-40B4-BE49-F238E27FC236}">
+                <a16:creationId xmlns:a16="http://schemas.microsoft.com/office/drawing/2014/main" id="{E0F971DD-8D2D-21FB-D071-F50297FFDAFC}"/>
+              </a:ext>
+            </a:extLst>
+          </p:cNvPr>
+          <p:cNvPicPr>
+            <a:picLocks noChangeAspect="1"/>
+          </p:cNvPicPr>
+          <p:nvPr/>
+        </p:nvPicPr>
+        <p:blipFill>
+          <a:blip r:embed="rId3"/>
+          <a:stretch>
+            <a:fillRect/>
+          </a:stretch>
+        </p:blipFill>
+        <p:spPr>
+          <a:xfrm>
+            <a:off x="391885" y="3677797"/>
+            <a:ext cx="9573208" cy="3027185"/>
+          </a:xfrm>
+          <a:prstGeom prst="rect">
+            <a:avLst/>
+          </a:prstGeom>
+        </p:spPr>
+      </p:pic>
+      <p:sp>
+        <p:nvSpPr>
+          <p:cNvPr id="8" name="TextBox 7">
+            <a:extLst>
+              <a:ext uri="{FF2B5EF4-FFF2-40B4-BE49-F238E27FC236}">
+                <a16:creationId xmlns:a16="http://schemas.microsoft.com/office/drawing/2014/main" id="{6BE54932-3489-0039-E6A1-9A874DFCDAE0}"/>
+              </a:ext>
+            </a:extLst>
+          </p:cNvPr>
+          <p:cNvSpPr txBox="1"/>
+          <p:nvPr/>
+        </p:nvSpPr>
+        <p:spPr>
+          <a:xfrm>
+            <a:off x="9423918" y="365125"/>
+            <a:ext cx="1614196" cy="646331"/>
+          </a:xfrm>
+          <a:prstGeom prst="rect">
+            <a:avLst/>
+          </a:prstGeom>
+          <a:noFill/>
+        </p:spPr>
+        <p:txBody>
+          <a:bodyPr wrap="square" rtlCol="0">
+            <a:spAutoFit/>
+          </a:bodyPr>
+          <a:lstStyle/>
+          <a:p>
+            <a:r>
+              <a:rPr lang="en-GB" dirty="0"/>
+              <a:t>Collectible BP</a:t>
+            </a:r>
+          </a:p>
+        </p:txBody>
+      </p:sp>
+      <p:sp>
+        <p:nvSpPr>
+          <p:cNvPr id="9" name="TextBox 8">
+            <a:extLst>
+              <a:ext uri="{FF2B5EF4-FFF2-40B4-BE49-F238E27FC236}">
+                <a16:creationId xmlns:a16="http://schemas.microsoft.com/office/drawing/2014/main" id="{EB5D7EA2-EA5A-0EC0-6DAC-BCBA5EC11891}"/>
+              </a:ext>
+            </a:extLst>
+          </p:cNvPr>
+          <p:cNvSpPr txBox="1"/>
+          <p:nvPr/>
+        </p:nvSpPr>
+        <p:spPr>
+          <a:xfrm>
+            <a:off x="10010192" y="4254758"/>
+            <a:ext cx="1632857" cy="646331"/>
+          </a:xfrm>
+          <a:prstGeom prst="rect">
+            <a:avLst/>
+          </a:prstGeom>
+          <a:noFill/>
+        </p:spPr>
+        <p:txBody>
+          <a:bodyPr wrap="square" rtlCol="0">
+            <a:spAutoFit/>
+          </a:bodyPr>
+          <a:lstStyle/>
+          <a:p>
+            <a:r>
+              <a:rPr lang="en-GB" dirty="0"/>
+              <a:t>Character BP</a:t>
             </a:r>
           </a:p>
         </p:txBody>
